--- a/Presentation.pptx
+++ b/Presentation.pptx
@@ -5,13 +5,14 @@
     <p:sldMasterId id="2147483648" r:id="rId1"/>
   </p:sldMasterIdLst>
   <p:notesMasterIdLst>
-    <p:notesMasterId r:id="rId6"/>
+    <p:notesMasterId r:id="rId7"/>
   </p:notesMasterIdLst>
   <p:sldIdLst>
     <p:sldId id="256" r:id="rId2"/>
     <p:sldId id="257" r:id="rId3"/>
-    <p:sldId id="258" r:id="rId4"/>
-    <p:sldId id="259" r:id="rId5"/>
+    <p:sldId id="260" r:id="rId4"/>
+    <p:sldId id="258" r:id="rId5"/>
+    <p:sldId id="259" r:id="rId6"/>
   </p:sldIdLst>
   <p:sldSz cx="12192000" cy="6858000"/>
   <p:notesSz cx="6858000" cy="9144000"/>
@@ -110,6 +111,11 @@
       </a:defRPr>
     </a:lvl9pPr>
   </p:defaultTextStyle>
+  <p:extLst>
+    <p:ext uri="{EFAFB233-063F-42B5-8137-9DF3F51BA10A}">
+      <p15:sldGuideLst xmlns:p15="http://schemas.microsoft.com/office/powerpoint/2012/main"/>
+    </p:ext>
+  </p:extLst>
 </p:presentation>
 </file>
 
@@ -195,7 +201,7 @@
           <a:p>
             <a:fld id="{566C18FC-395D-AA44-BBB4-32E462CA3F69}" type="datetimeFigureOut">
               <a:rPr lang="en-US" smtClean="0"/>
-              <a:t>7/18/17</a:t>
+              <a:t>7/19/17</a:t>
             </a:fld>
             <a:endParaRPr lang="en-US"/>
           </a:p>
@@ -463,6 +469,98 @@
 </p:notesMaster>
 </file>
 
+<file path=ppt/notesSlides/notesSlide1.xml><?xml version="1.0" encoding="utf-8"?>
+<p:notes xmlns:a="http://schemas.openxmlformats.org/drawingml/2006/main" xmlns:r="http://schemas.openxmlformats.org/officeDocument/2006/relationships" xmlns:p="http://schemas.openxmlformats.org/presentationml/2006/main">
+  <p:cSld>
+    <p:spTree>
+      <p:nvGrpSpPr>
+        <p:cNvPr id="1" name=""/>
+        <p:cNvGrpSpPr/>
+        <p:nvPr/>
+      </p:nvGrpSpPr>
+      <p:grpSpPr>
+        <a:xfrm>
+          <a:off x="0" y="0"/>
+          <a:ext cx="0" cy="0"/>
+          <a:chOff x="0" y="0"/>
+          <a:chExt cx="0" cy="0"/>
+        </a:xfrm>
+      </p:grpSpPr>
+      <p:sp>
+        <p:nvSpPr>
+          <p:cNvPr id="2" name="Slide Image Placeholder 1"/>
+          <p:cNvSpPr>
+            <a:spLocks noGrp="1" noRot="1" noChangeAspect="1"/>
+          </p:cNvSpPr>
+          <p:nvPr>
+            <p:ph type="sldImg"/>
+          </p:nvPr>
+        </p:nvSpPr>
+        <p:spPr/>
+      </p:sp>
+      <p:sp>
+        <p:nvSpPr>
+          <p:cNvPr id="3" name="Notes Placeholder 2"/>
+          <p:cNvSpPr>
+            <a:spLocks noGrp="1"/>
+          </p:cNvSpPr>
+          <p:nvPr>
+            <p:ph type="body" idx="1"/>
+          </p:nvPr>
+        </p:nvSpPr>
+        <p:spPr/>
+        <p:txBody>
+          <a:bodyPr/>
+          <a:lstStyle/>
+          <a:p>
+            <a:r>
+              <a:rPr lang="en-US" dirty="0" smtClean="0"/>
+              <a:t>Of course, Top Hits/Hot</a:t>
+            </a:r>
+            <a:r>
+              <a:rPr lang="en-US" baseline="0" dirty="0" smtClean="0"/>
+              <a:t> on Spotify is favored by rec engine as well thus leads to large exposure</a:t>
+            </a:r>
+            <a:endParaRPr lang="en-US" dirty="0"/>
+          </a:p>
+        </p:txBody>
+      </p:sp>
+      <p:sp>
+        <p:nvSpPr>
+          <p:cNvPr id="4" name="Slide Number Placeholder 3"/>
+          <p:cNvSpPr>
+            <a:spLocks noGrp="1"/>
+          </p:cNvSpPr>
+          <p:nvPr>
+            <p:ph type="sldNum" sz="quarter" idx="10"/>
+          </p:nvPr>
+        </p:nvSpPr>
+        <p:spPr/>
+        <p:txBody>
+          <a:bodyPr/>
+          <a:lstStyle/>
+          <a:p>
+            <a:fld id="{A465BDBA-C83F-3A4B-96EB-4B3A7A18FB4B}" type="slidenum">
+              <a:rPr lang="en-US" smtClean="0"/>
+              <a:t>4</a:t>
+            </a:fld>
+            <a:endParaRPr lang="en-US"/>
+          </a:p>
+        </p:txBody>
+      </p:sp>
+    </p:spTree>
+    <p:extLst>
+      <p:ext uri="{BB962C8B-B14F-4D97-AF65-F5344CB8AC3E}">
+        <p14:creationId xmlns:p14="http://schemas.microsoft.com/office/powerpoint/2010/main" val="748440418"/>
+      </p:ext>
+    </p:extLst>
+  </p:cSld>
+  <p:clrMapOvr>
+    <a:masterClrMapping/>
+  </p:clrMapOvr>
+</p:notes>
+</file>
+
 <file path=ppt/slideLayouts/slideLayout1.xml><?xml version="1.0" encoding="utf-8"?>
 <p:sldLayout xmlns:a="http://schemas.openxmlformats.org/drawingml/2006/main" xmlns:r="http://schemas.openxmlformats.org/officeDocument/2006/relationships" xmlns:p="http://schemas.openxmlformats.org/presentationml/2006/main" type="title" preserve="1">
   <p:cSld name="Title Slide">
@@ -594,7 +692,7 @@
           <a:p>
             <a:fld id="{F7DA3541-F8C0-EE4C-BA91-D07A41D36C3A}" type="datetimeFigureOut">
               <a:rPr lang="en-US" smtClean="0"/>
-              <a:t>7/18/17</a:t>
+              <a:t>7/19/17</a:t>
             </a:fld>
             <a:endParaRPr lang="en-US"/>
           </a:p>
@@ -764,7 +862,7 @@
           <a:p>
             <a:fld id="{F7DA3541-F8C0-EE4C-BA91-D07A41D36C3A}" type="datetimeFigureOut">
               <a:rPr lang="en-US" smtClean="0"/>
-              <a:t>7/18/17</a:t>
+              <a:t>7/19/17</a:t>
             </a:fld>
             <a:endParaRPr lang="en-US"/>
           </a:p>
@@ -944,7 +1042,7 @@
           <a:p>
             <a:fld id="{F7DA3541-F8C0-EE4C-BA91-D07A41D36C3A}" type="datetimeFigureOut">
               <a:rPr lang="en-US" smtClean="0"/>
-              <a:t>7/18/17</a:t>
+              <a:t>7/19/17</a:t>
             </a:fld>
             <a:endParaRPr lang="en-US"/>
           </a:p>
@@ -1114,7 +1212,7 @@
           <a:p>
             <a:fld id="{F7DA3541-F8C0-EE4C-BA91-D07A41D36C3A}" type="datetimeFigureOut">
               <a:rPr lang="en-US" smtClean="0"/>
-              <a:t>7/18/17</a:t>
+              <a:t>7/19/17</a:t>
             </a:fld>
             <a:endParaRPr lang="en-US"/>
           </a:p>
@@ -1360,7 +1458,7 @@
           <a:p>
             <a:fld id="{F7DA3541-F8C0-EE4C-BA91-D07A41D36C3A}" type="datetimeFigureOut">
               <a:rPr lang="en-US" smtClean="0"/>
-              <a:t>7/18/17</a:t>
+              <a:t>7/19/17</a:t>
             </a:fld>
             <a:endParaRPr lang="en-US"/>
           </a:p>
@@ -1592,7 +1690,7 @@
           <a:p>
             <a:fld id="{F7DA3541-F8C0-EE4C-BA91-D07A41D36C3A}" type="datetimeFigureOut">
               <a:rPr lang="en-US" smtClean="0"/>
-              <a:t>7/18/17</a:t>
+              <a:t>7/19/17</a:t>
             </a:fld>
             <a:endParaRPr lang="en-US"/>
           </a:p>
@@ -1959,7 +2057,7 @@
           <a:p>
             <a:fld id="{F7DA3541-F8C0-EE4C-BA91-D07A41D36C3A}" type="datetimeFigureOut">
               <a:rPr lang="en-US" smtClean="0"/>
-              <a:t>7/18/17</a:t>
+              <a:t>7/19/17</a:t>
             </a:fld>
             <a:endParaRPr lang="en-US"/>
           </a:p>
@@ -2077,7 +2175,7 @@
           <a:p>
             <a:fld id="{F7DA3541-F8C0-EE4C-BA91-D07A41D36C3A}" type="datetimeFigureOut">
               <a:rPr lang="en-US" smtClean="0"/>
-              <a:t>7/18/17</a:t>
+              <a:t>7/19/17</a:t>
             </a:fld>
             <a:endParaRPr lang="en-US"/>
           </a:p>
@@ -2172,7 +2270,7 @@
           <a:p>
             <a:fld id="{F7DA3541-F8C0-EE4C-BA91-D07A41D36C3A}" type="datetimeFigureOut">
               <a:rPr lang="en-US" smtClean="0"/>
-              <a:t>7/18/17</a:t>
+              <a:t>7/19/17</a:t>
             </a:fld>
             <a:endParaRPr lang="en-US"/>
           </a:p>
@@ -2449,7 +2547,7 @@
           <a:p>
             <a:fld id="{F7DA3541-F8C0-EE4C-BA91-D07A41D36C3A}" type="datetimeFigureOut">
               <a:rPr lang="en-US" smtClean="0"/>
-              <a:t>7/18/17</a:t>
+              <a:t>7/19/17</a:t>
             </a:fld>
             <a:endParaRPr lang="en-US"/>
           </a:p>
@@ -2702,7 +2800,7 @@
           <a:p>
             <a:fld id="{F7DA3541-F8C0-EE4C-BA91-D07A41D36C3A}" type="datetimeFigureOut">
               <a:rPr lang="en-US" smtClean="0"/>
-              <a:t>7/18/17</a:t>
+              <a:t>7/19/17</a:t>
             </a:fld>
             <a:endParaRPr lang="en-US"/>
           </a:p>
@@ -2915,7 +3013,7 @@
           <a:p>
             <a:fld id="{F7DA3541-F8C0-EE4C-BA91-D07A41D36C3A}" type="datetimeFigureOut">
               <a:rPr lang="en-US" smtClean="0"/>
-              <a:t>7/18/17</a:t>
+              <a:t>7/19/17</a:t>
             </a:fld>
             <a:endParaRPr lang="en-US"/>
           </a:p>
@@ -3516,11 +3614,6 @@
               </a:rPr>
               <a:t>-- Hong Wu (Interview Assignment)</a:t>
             </a:r>
-            <a:endParaRPr lang="en-US" sz="1400" dirty="0" smtClean="0">
-              <a:latin typeface="Helvetica Neue" charset="0"/>
-              <a:ea typeface="Helvetica Neue" charset="0"/>
-              <a:cs typeface="Helvetica Neue" charset="0"/>
-            </a:endParaRPr>
           </a:p>
         </p:txBody>
       </p:sp>
@@ -3672,11 +3765,6 @@
               </a:rPr>
               <a:t>, 31 days per month, simply for calculation convenience.</a:t>
             </a:r>
-            <a:endParaRPr lang="en-US" sz="1400" dirty="0" smtClean="0">
-              <a:latin typeface="Helvetica Neue" charset="0"/>
-              <a:ea typeface="Helvetica Neue" charset="0"/>
-              <a:cs typeface="Helvetica Neue" charset="0"/>
-            </a:endParaRPr>
           </a:p>
         </p:txBody>
       </p:sp>
@@ -3717,30 +3805,6 @@
           <a:chExt cx="0" cy="0"/>
         </a:xfrm>
       </p:grpSpPr>
-      <p:pic>
-        <p:nvPicPr>
-          <p:cNvPr id="6" name="Picture 5"/>
-          <p:cNvPicPr>
-            <a:picLocks noChangeAspect="1"/>
-          </p:cNvPicPr>
-          <p:nvPr/>
-        </p:nvPicPr>
-        <p:blipFill>
-          <a:blip r:embed="rId2"/>
-          <a:stretch>
-            <a:fillRect/>
-          </a:stretch>
-        </p:blipFill>
-        <p:spPr>
-          <a:xfrm>
-            <a:off x="88046" y="0"/>
-            <a:ext cx="12015908" cy="6858000"/>
-          </a:xfrm>
-          <a:prstGeom prst="rect">
-            <a:avLst/>
-          </a:prstGeom>
-        </p:spPr>
-      </p:pic>
       <p:sp>
         <p:nvSpPr>
           <p:cNvPr id="8" name="TextBox 7"/>
@@ -3749,8 +3813,8 @@
         </p:nvSpPr>
         <p:spPr>
           <a:xfrm>
-            <a:off x="6286500" y="3176588"/>
-            <a:ext cx="5915402" cy="1169551"/>
+            <a:off x="1271587" y="2386012"/>
+            <a:ext cx="7834774" cy="954107"/>
           </a:xfrm>
           <a:prstGeom prst="rect">
             <a:avLst/>
@@ -3765,37 +3829,36 @@
           <a:p>
             <a:r>
               <a:rPr lang="en-US" sz="2800" b="1" dirty="0" smtClean="0">
+                <a:solidFill>
+                  <a:srgbClr val="2EBD59"/>
+                </a:solidFill>
                 <a:latin typeface="Helvetica Neue" charset="0"/>
                 <a:ea typeface="Helvetica Neue" charset="0"/>
                 <a:cs typeface="Helvetica Neue" charset="0"/>
               </a:rPr>
-              <a:t>If we talk about #Revenue</a:t>
-            </a:r>
-            <a:r>
-              <a:rPr lang="en-US" sz="1600" b="1" dirty="0" smtClean="0">
+              <a:t>Technical Sheet </a:t>
+            </a:r>
+            <a:r>
+              <a:rPr lang="mr-IN" sz="2800" b="1" dirty="0" smtClean="0">
+                <a:solidFill>
+                  <a:srgbClr val="2EBD59"/>
+                </a:solidFill>
                 <a:latin typeface="Helvetica Neue" charset="0"/>
                 <a:ea typeface="Helvetica Neue" charset="0"/>
                 <a:cs typeface="Helvetica Neue" charset="0"/>
               </a:rPr>
-              <a:t>(Estimated)</a:t>
+              <a:t>–</a:t>
             </a:r>
             <a:r>
               <a:rPr lang="en-US" sz="2800" b="1" dirty="0" smtClean="0">
+                <a:solidFill>
+                  <a:srgbClr val="2EBD59"/>
+                </a:solidFill>
                 <a:latin typeface="Helvetica Neue" charset="0"/>
                 <a:ea typeface="Helvetica Neue" charset="0"/>
                 <a:cs typeface="Helvetica Neue" charset="0"/>
               </a:rPr>
-              <a:t>;</a:t>
-            </a:r>
-          </a:p>
-          <a:p>
-            <a:r>
-              <a:rPr lang="en-US" sz="2800" b="1" dirty="0" smtClean="0">
-                <a:latin typeface="Helvetica Neue" charset="0"/>
-                <a:ea typeface="Helvetica Neue" charset="0"/>
-                <a:cs typeface="Helvetica Neue" charset="0"/>
-              </a:rPr>
-              <a:t>If we talk about #Reaches;</a:t>
+              <a:t> Audience: Data/Tech Team</a:t>
             </a:r>
           </a:p>
           <a:p>
@@ -3805,169 +3868,10 @@
                 <a:ea typeface="Helvetica Neue" charset="0"/>
                 <a:cs typeface="Helvetica Neue" charset="0"/>
               </a:rPr>
-              <a:t>Money talks, number$ don’t lie. Top 500 playlist</a:t>
-            </a:r>
-          </a:p>
-        </p:txBody>
-      </p:sp>
-      <p:pic>
-        <p:nvPicPr>
-          <p:cNvPr id="3" name="Picture 2"/>
-          <p:cNvPicPr>
-            <a:picLocks noChangeAspect="1"/>
-          </p:cNvPicPr>
-          <p:nvPr/>
-        </p:nvPicPr>
-        <p:blipFill>
-          <a:blip r:embed="rId3">
-            <a:extLst>
-              <a:ext uri="{28A0092B-C50C-407E-A947-70E740481C1C}">
-                <a14:useLocalDpi xmlns:a14="http://schemas.microsoft.com/office/drawing/2010/main" val="0"/>
-              </a:ext>
-            </a:extLst>
-          </a:blip>
-          <a:stretch>
-            <a:fillRect/>
-          </a:stretch>
-        </p:blipFill>
-        <p:spPr>
-          <a:xfrm>
-            <a:off x="11561031" y="697710"/>
-            <a:ext cx="542923" cy="542923"/>
-          </a:xfrm>
-          <a:prstGeom prst="rect">
-            <a:avLst/>
-          </a:prstGeom>
-        </p:spPr>
-      </p:pic>
-      <p:pic>
-        <p:nvPicPr>
-          <p:cNvPr id="4" name="Picture 3"/>
-          <p:cNvPicPr>
-            <a:picLocks noChangeAspect="1"/>
-          </p:cNvPicPr>
-          <p:nvPr/>
-        </p:nvPicPr>
-        <p:blipFill>
-          <a:blip r:embed="rId4">
-            <a:extLst>
-              <a:ext uri="{28A0092B-C50C-407E-A947-70E740481C1C}">
-                <a14:useLocalDpi xmlns:a14="http://schemas.microsoft.com/office/drawing/2010/main" val="0"/>
-              </a:ext>
-            </a:extLst>
-          </a:blip>
-          <a:stretch>
-            <a:fillRect/>
-          </a:stretch>
-        </p:blipFill>
-        <p:spPr>
-          <a:xfrm>
-            <a:off x="10929683" y="290513"/>
-            <a:ext cx="533400" cy="533400"/>
-          </a:xfrm>
-          <a:prstGeom prst="rect">
-            <a:avLst/>
-          </a:prstGeom>
-        </p:spPr>
-      </p:pic>
-      <p:pic>
-        <p:nvPicPr>
-          <p:cNvPr id="5" name="Picture 4"/>
-          <p:cNvPicPr>
-            <a:picLocks noChangeAspect="1"/>
-          </p:cNvPicPr>
-          <p:nvPr/>
-        </p:nvPicPr>
-        <p:blipFill>
-          <a:blip r:embed="rId5">
-            <a:extLst>
-              <a:ext uri="{28A0092B-C50C-407E-A947-70E740481C1C}">
-                <a14:useLocalDpi xmlns:a14="http://schemas.microsoft.com/office/drawing/2010/main" val="0"/>
-              </a:ext>
-            </a:extLst>
-          </a:blip>
-          <a:stretch>
-            <a:fillRect/>
-          </a:stretch>
-        </p:blipFill>
-        <p:spPr>
-          <a:xfrm>
-            <a:off x="9467677" y="1590675"/>
-            <a:ext cx="519112" cy="519112"/>
-          </a:xfrm>
-          <a:prstGeom prst="rect">
-            <a:avLst/>
-          </a:prstGeom>
-        </p:spPr>
-      </p:pic>
-      <p:sp>
-        <p:nvSpPr>
-          <p:cNvPr id="7" name="TextBox 6"/>
-          <p:cNvSpPr txBox="1"/>
-          <p:nvPr/>
-        </p:nvSpPr>
-        <p:spPr>
-          <a:xfrm>
-            <a:off x="6286501" y="4389003"/>
-            <a:ext cx="5905500" cy="954107"/>
-          </a:xfrm>
-          <a:prstGeom prst="rect">
-            <a:avLst/>
-          </a:prstGeom>
-          <a:solidFill>
-            <a:srgbClr val="EAF5FB"/>
-          </a:solidFill>
-        </p:spPr>
-        <p:txBody>
-          <a:bodyPr wrap="square" rtlCol="0">
-            <a:spAutoFit/>
-          </a:bodyPr>
-          <a:lstStyle/>
-          <a:p>
-            <a:r>
-              <a:rPr lang="en-US" sz="1400" dirty="0" smtClean="0">
-                <a:latin typeface="Helvetica Neue" charset="0"/>
-                <a:ea typeface="Helvetica Neue" charset="0"/>
-                <a:cs typeface="Helvetica Neue" charset="0"/>
-              </a:rPr>
-              <a:t>Revenue estimated daily vs daily reach. (Bubble size </a:t>
-            </a:r>
-            <a:r>
-              <a:rPr lang="mr-IN" sz="1400" dirty="0" smtClean="0">
-                <a:latin typeface="Helvetica Neue" charset="0"/>
-                <a:ea typeface="Helvetica Neue" charset="0"/>
-                <a:cs typeface="Helvetica Neue" charset="0"/>
-              </a:rPr>
-              <a:t>–</a:t>
-            </a:r>
-            <a:r>
-              <a:rPr lang="en-US" sz="1400" dirty="0" smtClean="0">
-                <a:latin typeface="Helvetica Neue" charset="0"/>
-                <a:ea typeface="Helvetica Neue" charset="0"/>
-                <a:cs typeface="Helvetica Neue" charset="0"/>
-              </a:rPr>
-              <a:t> projected engaging time in minutes)</a:t>
-            </a:r>
-          </a:p>
-          <a:p>
-            <a:r>
-              <a:rPr lang="en-US" sz="1400" dirty="0" smtClean="0">
-                <a:latin typeface="Helvetica Neue" charset="0"/>
-                <a:ea typeface="Helvetica Neue" charset="0"/>
-                <a:cs typeface="Helvetica Neue" charset="0"/>
-              </a:rPr>
-              <a:t>More reaches could potential bring more exposures to brand’s product</a:t>
-            </a:r>
-          </a:p>
-          <a:p>
-            <a:r>
-              <a:rPr lang="en-US" sz="1400" dirty="0" smtClean="0">
-                <a:latin typeface="Helvetica Neue" charset="0"/>
-                <a:ea typeface="Helvetica Neue" charset="0"/>
-                <a:cs typeface="Helvetica Neue" charset="0"/>
-              </a:rPr>
-              <a:t>or service</a:t>
-            </a:r>
+              <a:t>A little bit on Data Processing</a:t>
+            </a:r>
+          </a:p>
+          <a:p>
             <a:endParaRPr lang="en-US" sz="1400" dirty="0" smtClean="0">
               <a:latin typeface="Helvetica Neue" charset="0"/>
               <a:ea typeface="Helvetica Neue" charset="0"/>
@@ -3976,100 +3880,10 @@
           </a:p>
         </p:txBody>
       </p:sp>
-      <p:sp>
-        <p:nvSpPr>
-          <p:cNvPr id="9" name="TextBox 8"/>
-          <p:cNvSpPr txBox="1"/>
-          <p:nvPr/>
-        </p:nvSpPr>
-        <p:spPr>
-          <a:xfrm>
-            <a:off x="6286500" y="5343110"/>
-            <a:ext cx="3690434" cy="553998"/>
-          </a:xfrm>
-          <a:prstGeom prst="rect">
-            <a:avLst/>
-          </a:prstGeom>
-          <a:noFill/>
-        </p:spPr>
-        <p:txBody>
-          <a:bodyPr wrap="none" rtlCol="0">
-            <a:spAutoFit/>
-          </a:bodyPr>
-          <a:lstStyle/>
-          <a:p>
-            <a:r>
-              <a:rPr lang="en-US" sz="1000" dirty="0" smtClean="0">
-                <a:latin typeface="Helvetica Neue Light" charset="0"/>
-                <a:ea typeface="Helvetica Neue Light" charset="0"/>
-                <a:cs typeface="Helvetica Neue Light" charset="0"/>
-              </a:rPr>
-              <a:t>3.5 min per track</a:t>
-            </a:r>
-          </a:p>
-          <a:p>
-            <a:r>
-              <a:rPr lang="en-US" sz="1000" dirty="0" smtClean="0">
-                <a:latin typeface="Helvetica Neue Light" charset="0"/>
-                <a:ea typeface="Helvetica Neue Light" charset="0"/>
-                <a:cs typeface="Helvetica Neue Light" charset="0"/>
-              </a:rPr>
-              <a:t>Source: </a:t>
-            </a:r>
-            <a:r>
-              <a:rPr lang="en-US" sz="1000" dirty="0">
-                <a:solidFill>
-                  <a:srgbClr val="2EBD59"/>
-                </a:solidFill>
-                <a:hlinkClick r:id="rId6"/>
-              </a:rPr>
-              <a:t>http://</a:t>
-            </a:r>
-            <a:r>
-              <a:rPr lang="en-US" sz="1000" dirty="0" smtClean="0">
-                <a:solidFill>
-                  <a:srgbClr val="2EBD59"/>
-                </a:solidFill>
-                <a:hlinkClick r:id="rId6"/>
-              </a:rPr>
-              <a:t>www.bbc.com/news/entertainment-arts-25217353</a:t>
-            </a:r>
-            <a:endParaRPr lang="en-US" sz="1000" dirty="0" smtClean="0">
-              <a:solidFill>
-                <a:srgbClr val="2EBD59"/>
-              </a:solidFill>
-            </a:endParaRPr>
-          </a:p>
-          <a:p>
-            <a:r>
-              <a:rPr lang="en-US" sz="1000" dirty="0" smtClean="0">
-                <a:solidFill>
-                  <a:srgbClr val="2EBD59"/>
-                </a:solidFill>
-                <a:latin typeface="Helvetica Neue Light" charset="0"/>
-                <a:ea typeface="Helvetica Neue Light" charset="0"/>
-                <a:cs typeface="Helvetica Neue Light" charset="0"/>
-              </a:rPr>
-              <a:t>Log scale applied simply for visualization purpose</a:t>
-            </a:r>
-            <a:r>
-              <a:rPr lang="en-US" sz="1000" dirty="0" smtClean="0">
-                <a:solidFill>
-                  <a:srgbClr val="2EBD59"/>
-                </a:solidFill>
-                <a:latin typeface="CamingoCode" charset="0"/>
-                <a:ea typeface="CamingoCode" charset="0"/>
-                <a:cs typeface="CamingoCode" charset="0"/>
-              </a:rPr>
-              <a:t> </a:t>
-            </a:r>
-          </a:p>
-        </p:txBody>
-      </p:sp>
     </p:spTree>
     <p:extLst>
       <p:ext uri="{BB962C8B-B14F-4D97-AF65-F5344CB8AC3E}">
-        <p14:creationId xmlns:p14="http://schemas.microsoft.com/office/powerpoint/2010/main" val="1421799222"/>
+        <p14:creationId xmlns:p14="http://schemas.microsoft.com/office/powerpoint/2010/main" val="306415846"/>
       </p:ext>
     </p:extLst>
   </p:cSld>
@@ -4105,6 +3919,431 @@
       </p:grpSpPr>
       <p:pic>
         <p:nvPicPr>
+          <p:cNvPr id="6" name="Picture 5"/>
+          <p:cNvPicPr>
+            <a:picLocks noChangeAspect="1"/>
+          </p:cNvPicPr>
+          <p:nvPr/>
+        </p:nvPicPr>
+        <p:blipFill>
+          <a:blip r:embed="rId3"/>
+          <a:stretch>
+            <a:fillRect/>
+          </a:stretch>
+        </p:blipFill>
+        <p:spPr>
+          <a:xfrm>
+            <a:off x="88046" y="0"/>
+            <a:ext cx="12015908" cy="6858000"/>
+          </a:xfrm>
+          <a:prstGeom prst="rect">
+            <a:avLst/>
+          </a:prstGeom>
+        </p:spPr>
+      </p:pic>
+      <p:sp>
+        <p:nvSpPr>
+          <p:cNvPr id="8" name="TextBox 7"/>
+          <p:cNvSpPr txBox="1"/>
+          <p:nvPr/>
+        </p:nvSpPr>
+        <p:spPr>
+          <a:xfrm>
+            <a:off x="6286500" y="3176588"/>
+            <a:ext cx="5915402" cy="1169551"/>
+          </a:xfrm>
+          <a:prstGeom prst="rect">
+            <a:avLst/>
+          </a:prstGeom>
+          <a:noFill/>
+        </p:spPr>
+        <p:txBody>
+          <a:bodyPr wrap="none" rtlCol="0">
+            <a:spAutoFit/>
+          </a:bodyPr>
+          <a:lstStyle/>
+          <a:p>
+            <a:r>
+              <a:rPr lang="en-US" sz="2800" b="1" dirty="0" smtClean="0">
+                <a:latin typeface="Helvetica Neue" charset="0"/>
+                <a:ea typeface="Helvetica Neue" charset="0"/>
+                <a:cs typeface="Helvetica Neue" charset="0"/>
+              </a:rPr>
+              <a:t>If we talk about #Revenue</a:t>
+            </a:r>
+            <a:r>
+              <a:rPr lang="en-US" sz="1600" b="1" dirty="0" smtClean="0">
+                <a:latin typeface="Helvetica Neue" charset="0"/>
+                <a:ea typeface="Helvetica Neue" charset="0"/>
+                <a:cs typeface="Helvetica Neue" charset="0"/>
+              </a:rPr>
+              <a:t>(Estimated)</a:t>
+            </a:r>
+            <a:r>
+              <a:rPr lang="en-US" sz="2800" b="1" dirty="0" smtClean="0">
+                <a:latin typeface="Helvetica Neue" charset="0"/>
+                <a:ea typeface="Helvetica Neue" charset="0"/>
+                <a:cs typeface="Helvetica Neue" charset="0"/>
+              </a:rPr>
+              <a:t>;</a:t>
+            </a:r>
+          </a:p>
+          <a:p>
+            <a:r>
+              <a:rPr lang="en-US" sz="2800" b="1" dirty="0" smtClean="0">
+                <a:latin typeface="Helvetica Neue" charset="0"/>
+                <a:ea typeface="Helvetica Neue" charset="0"/>
+                <a:cs typeface="Helvetica Neue" charset="0"/>
+              </a:rPr>
+              <a:t>If we talk about #Reaches;</a:t>
+            </a:r>
+          </a:p>
+          <a:p>
+            <a:r>
+              <a:rPr lang="en-US" sz="1400" dirty="0" smtClean="0">
+                <a:latin typeface="Helvetica Neue" charset="0"/>
+                <a:ea typeface="Helvetica Neue" charset="0"/>
+                <a:cs typeface="Helvetica Neue" charset="0"/>
+              </a:rPr>
+              <a:t>Money talks, number$ don’t lie. Top 500 playlist</a:t>
+            </a:r>
+          </a:p>
+        </p:txBody>
+      </p:sp>
+      <p:pic>
+        <p:nvPicPr>
+          <p:cNvPr id="3" name="Picture 2"/>
+          <p:cNvPicPr>
+            <a:picLocks noChangeAspect="1"/>
+          </p:cNvPicPr>
+          <p:nvPr/>
+        </p:nvPicPr>
+        <p:blipFill>
+          <a:blip r:embed="rId4">
+            <a:extLst>
+              <a:ext uri="{28A0092B-C50C-407E-A947-70E740481C1C}">
+                <a14:useLocalDpi xmlns:a14="http://schemas.microsoft.com/office/drawing/2010/main" val="0"/>
+              </a:ext>
+            </a:extLst>
+          </a:blip>
+          <a:stretch>
+            <a:fillRect/>
+          </a:stretch>
+        </p:blipFill>
+        <p:spPr>
+          <a:xfrm>
+            <a:off x="11561031" y="697710"/>
+            <a:ext cx="542923" cy="542923"/>
+          </a:xfrm>
+          <a:prstGeom prst="rect">
+            <a:avLst/>
+          </a:prstGeom>
+        </p:spPr>
+      </p:pic>
+      <p:pic>
+        <p:nvPicPr>
+          <p:cNvPr id="4" name="Picture 3"/>
+          <p:cNvPicPr>
+            <a:picLocks noChangeAspect="1"/>
+          </p:cNvPicPr>
+          <p:nvPr/>
+        </p:nvPicPr>
+        <p:blipFill>
+          <a:blip r:embed="rId5">
+            <a:extLst>
+              <a:ext uri="{28A0092B-C50C-407E-A947-70E740481C1C}">
+                <a14:useLocalDpi xmlns:a14="http://schemas.microsoft.com/office/drawing/2010/main" val="0"/>
+              </a:ext>
+            </a:extLst>
+          </a:blip>
+          <a:stretch>
+            <a:fillRect/>
+          </a:stretch>
+        </p:blipFill>
+        <p:spPr>
+          <a:xfrm>
+            <a:off x="10929683" y="290513"/>
+            <a:ext cx="533400" cy="533400"/>
+          </a:xfrm>
+          <a:prstGeom prst="rect">
+            <a:avLst/>
+          </a:prstGeom>
+        </p:spPr>
+      </p:pic>
+      <p:pic>
+        <p:nvPicPr>
+          <p:cNvPr id="5" name="Picture 4"/>
+          <p:cNvPicPr>
+            <a:picLocks noChangeAspect="1"/>
+          </p:cNvPicPr>
+          <p:nvPr/>
+        </p:nvPicPr>
+        <p:blipFill>
+          <a:blip r:embed="rId6">
+            <a:extLst>
+              <a:ext uri="{28A0092B-C50C-407E-A947-70E740481C1C}">
+                <a14:useLocalDpi xmlns:a14="http://schemas.microsoft.com/office/drawing/2010/main" val="0"/>
+              </a:ext>
+            </a:extLst>
+          </a:blip>
+          <a:stretch>
+            <a:fillRect/>
+          </a:stretch>
+        </p:blipFill>
+        <p:spPr>
+          <a:xfrm>
+            <a:off x="9467677" y="1590675"/>
+            <a:ext cx="519112" cy="519112"/>
+          </a:xfrm>
+          <a:prstGeom prst="rect">
+            <a:avLst/>
+          </a:prstGeom>
+        </p:spPr>
+      </p:pic>
+      <p:sp>
+        <p:nvSpPr>
+          <p:cNvPr id="7" name="TextBox 6"/>
+          <p:cNvSpPr txBox="1"/>
+          <p:nvPr/>
+        </p:nvSpPr>
+        <p:spPr>
+          <a:xfrm>
+            <a:off x="6286501" y="4389003"/>
+            <a:ext cx="5905500" cy="954107"/>
+          </a:xfrm>
+          <a:prstGeom prst="rect">
+            <a:avLst/>
+          </a:prstGeom>
+          <a:solidFill>
+            <a:srgbClr val="EAF5FB"/>
+          </a:solidFill>
+        </p:spPr>
+        <p:txBody>
+          <a:bodyPr wrap="square" rtlCol="0">
+            <a:spAutoFit/>
+          </a:bodyPr>
+          <a:lstStyle/>
+          <a:p>
+            <a:r>
+              <a:rPr lang="en-US" sz="1400" dirty="0" smtClean="0">
+                <a:latin typeface="Helvetica Neue" charset="0"/>
+                <a:ea typeface="Helvetica Neue" charset="0"/>
+                <a:cs typeface="Helvetica Neue" charset="0"/>
+              </a:rPr>
+              <a:t>Revenue estimated daily vs daily reach. (Bubble size </a:t>
+            </a:r>
+            <a:r>
+              <a:rPr lang="mr-IN" sz="1400" dirty="0" smtClean="0">
+                <a:latin typeface="Helvetica Neue" charset="0"/>
+                <a:ea typeface="Helvetica Neue" charset="0"/>
+                <a:cs typeface="Helvetica Neue" charset="0"/>
+              </a:rPr>
+              <a:t>–</a:t>
+            </a:r>
+            <a:r>
+              <a:rPr lang="en-US" sz="1400" dirty="0" smtClean="0">
+                <a:latin typeface="Helvetica Neue" charset="0"/>
+                <a:ea typeface="Helvetica Neue" charset="0"/>
+                <a:cs typeface="Helvetica Neue" charset="0"/>
+              </a:rPr>
+              <a:t> projected engaging time in minutes)</a:t>
+            </a:r>
+          </a:p>
+          <a:p>
+            <a:r>
+              <a:rPr lang="en-US" sz="1400" dirty="0" smtClean="0">
+                <a:latin typeface="Helvetica Neue" charset="0"/>
+                <a:ea typeface="Helvetica Neue" charset="0"/>
+                <a:cs typeface="Helvetica Neue" charset="0"/>
+              </a:rPr>
+              <a:t>More reaches could potential bring more exposures to brand’s product</a:t>
+            </a:r>
+          </a:p>
+          <a:p>
+            <a:r>
+              <a:rPr lang="en-US" sz="1400" dirty="0" smtClean="0">
+                <a:latin typeface="Helvetica Neue" charset="0"/>
+                <a:ea typeface="Helvetica Neue" charset="0"/>
+                <a:cs typeface="Helvetica Neue" charset="0"/>
+              </a:rPr>
+              <a:t>or service</a:t>
+            </a:r>
+          </a:p>
+        </p:txBody>
+      </p:sp>
+      <p:sp>
+        <p:nvSpPr>
+          <p:cNvPr id="9" name="TextBox 8"/>
+          <p:cNvSpPr txBox="1"/>
+          <p:nvPr/>
+        </p:nvSpPr>
+        <p:spPr>
+          <a:xfrm>
+            <a:off x="6286500" y="5343110"/>
+            <a:ext cx="3690434" cy="553998"/>
+          </a:xfrm>
+          <a:prstGeom prst="rect">
+            <a:avLst/>
+          </a:prstGeom>
+          <a:noFill/>
+        </p:spPr>
+        <p:txBody>
+          <a:bodyPr wrap="none" rtlCol="0">
+            <a:spAutoFit/>
+          </a:bodyPr>
+          <a:lstStyle/>
+          <a:p>
+            <a:r>
+              <a:rPr lang="en-US" sz="1000" dirty="0" smtClean="0">
+                <a:latin typeface="Helvetica Neue Light" charset="0"/>
+                <a:ea typeface="Helvetica Neue Light" charset="0"/>
+                <a:cs typeface="Helvetica Neue Light" charset="0"/>
+              </a:rPr>
+              <a:t>3.5 min per track</a:t>
+            </a:r>
+          </a:p>
+          <a:p>
+            <a:r>
+              <a:rPr lang="en-US" sz="1000" dirty="0" smtClean="0">
+                <a:latin typeface="Helvetica Neue Light" charset="0"/>
+                <a:ea typeface="Helvetica Neue Light" charset="0"/>
+                <a:cs typeface="Helvetica Neue Light" charset="0"/>
+              </a:rPr>
+              <a:t>Source: </a:t>
+            </a:r>
+            <a:r>
+              <a:rPr lang="en-US" sz="1000" dirty="0">
+                <a:solidFill>
+                  <a:srgbClr val="2EBD59"/>
+                </a:solidFill>
+                <a:hlinkClick r:id="rId7"/>
+              </a:rPr>
+              <a:t>http://</a:t>
+            </a:r>
+            <a:r>
+              <a:rPr lang="en-US" sz="1000" dirty="0" smtClean="0">
+                <a:solidFill>
+                  <a:srgbClr val="2EBD59"/>
+                </a:solidFill>
+                <a:hlinkClick r:id="rId7"/>
+              </a:rPr>
+              <a:t>www.bbc.com/news/entertainment-arts-25217353</a:t>
+            </a:r>
+            <a:endParaRPr lang="en-US" sz="1000" dirty="0" smtClean="0">
+              <a:solidFill>
+                <a:srgbClr val="2EBD59"/>
+              </a:solidFill>
+            </a:endParaRPr>
+          </a:p>
+          <a:p>
+            <a:r>
+              <a:rPr lang="en-US" sz="1000" dirty="0" smtClean="0">
+                <a:solidFill>
+                  <a:srgbClr val="2EBD59"/>
+                </a:solidFill>
+                <a:latin typeface="Helvetica Neue Light" charset="0"/>
+                <a:ea typeface="Helvetica Neue Light" charset="0"/>
+                <a:cs typeface="Helvetica Neue Light" charset="0"/>
+              </a:rPr>
+              <a:t>Log scale applied simply for visualization purpose</a:t>
+            </a:r>
+            <a:r>
+              <a:rPr lang="en-US" sz="1000" dirty="0" smtClean="0">
+                <a:solidFill>
+                  <a:srgbClr val="2EBD59"/>
+                </a:solidFill>
+                <a:latin typeface="CamingoCode" charset="0"/>
+                <a:ea typeface="CamingoCode" charset="0"/>
+                <a:cs typeface="CamingoCode" charset="0"/>
+              </a:rPr>
+              <a:t> </a:t>
+            </a:r>
+          </a:p>
+        </p:txBody>
+      </p:sp>
+    </p:spTree>
+    <p:extLst>
+      <p:ext uri="{BB962C8B-B14F-4D97-AF65-F5344CB8AC3E}">
+        <p14:creationId xmlns:p14="http://schemas.microsoft.com/office/powerpoint/2010/main" val="1421799222"/>
+      </p:ext>
+    </p:extLst>
+  </p:cSld>
+  <p:clrMapOvr>
+    <a:masterClrMapping/>
+  </p:clrMapOvr>
+  <p:timing>
+    <p:tnLst>
+      <p:par>
+        <p:cTn id="1" dur="indefinite" restart="never" nodeType="tmRoot"/>
+      </p:par>
+    </p:tnLst>
+  </p:timing>
+</p:sld>
+</file>
+
+<file path=ppt/slides/slide5.xml><?xml version="1.0" encoding="utf-8"?>
+<p:sld xmlns:a="http://schemas.openxmlformats.org/drawingml/2006/main" xmlns:r="http://schemas.openxmlformats.org/officeDocument/2006/relationships" xmlns:p="http://schemas.openxmlformats.org/presentationml/2006/main">
+  <p:cSld>
+    <p:spTree>
+      <p:nvGrpSpPr>
+        <p:cNvPr id="1" name=""/>
+        <p:cNvGrpSpPr/>
+        <p:nvPr/>
+      </p:nvGrpSpPr>
+      <p:grpSpPr>
+        <a:xfrm>
+          <a:off x="0" y="0"/>
+          <a:ext cx="0" cy="0"/>
+          <a:chOff x="0" y="0"/>
+          <a:chExt cx="0" cy="0"/>
+        </a:xfrm>
+      </p:grpSpPr>
+      <p:sp>
+        <p:nvSpPr>
+          <p:cNvPr id="13" name="Double Bracket 12"/>
+          <p:cNvSpPr/>
+          <p:nvPr/>
+        </p:nvSpPr>
+        <p:spPr>
+          <a:xfrm>
+            <a:off x="1470897" y="247652"/>
+            <a:ext cx="2585001" cy="3367202"/>
+          </a:xfrm>
+          <a:prstGeom prst="bracketPair">
+            <a:avLst/>
+          </a:prstGeom>
+          <a:noFill/>
+          <a:ln w="28575">
+            <a:solidFill>
+              <a:srgbClr val="2EBD59"/>
+            </a:solidFill>
+          </a:ln>
+        </p:spPr>
+        <p:style>
+          <a:lnRef idx="1">
+            <a:schemeClr val="accent1"/>
+          </a:lnRef>
+          <a:fillRef idx="0">
+            <a:schemeClr val="accent1"/>
+          </a:fillRef>
+          <a:effectRef idx="0">
+            <a:schemeClr val="accent1"/>
+          </a:effectRef>
+          <a:fontRef idx="minor">
+            <a:schemeClr val="tx1"/>
+          </a:fontRef>
+        </p:style>
+        <p:txBody>
+          <a:bodyPr rtlCol="0" anchor="ctr"/>
+          <a:lstStyle/>
+          <a:p>
+            <a:pPr algn="ctr"/>
+            <a:endParaRPr lang="en-US"/>
+          </a:p>
+        </p:txBody>
+      </p:sp>
+      <p:pic>
+        <p:nvPicPr>
           <p:cNvPr id="2" name="Picture 1"/>
           <p:cNvPicPr>
             <a:picLocks noChangeAspect="1"/>
@@ -4136,7 +4375,7 @@
         <p:spPr>
           <a:xfrm>
             <a:off x="6286500" y="3176588"/>
-            <a:ext cx="3953326" cy="1169551"/>
+            <a:ext cx="5687776" cy="954107"/>
           </a:xfrm>
           <a:prstGeom prst="rect">
             <a:avLst/>
@@ -4155,43 +4394,35 @@
                 <a:ea typeface="Helvetica Neue" charset="0"/>
                 <a:cs typeface="Helvetica Neue" charset="0"/>
               </a:rPr>
-              <a:t>If we talk about #</a:t>
-            </a:r>
-          </a:p>
-          <a:p>
+              <a:t>If we talk about </a:t>
+            </a:r>
             <a:r>
               <a:rPr lang="en-US" sz="2800" b="1" dirty="0" smtClean="0">
                 <a:latin typeface="Helvetica Neue" charset="0"/>
                 <a:ea typeface="Helvetica Neue" charset="0"/>
                 <a:cs typeface="Helvetica Neue" charset="0"/>
               </a:rPr>
-              <a:t>Engaging Time</a:t>
-            </a:r>
-            <a:r>
-              <a:rPr lang="en-US" sz="1600" b="1" dirty="0" smtClean="0">
+              <a:t>#Engaging Time</a:t>
+            </a:r>
+          </a:p>
+          <a:p>
+            <a:r>
+              <a:rPr lang="en-US" sz="1400" dirty="0" smtClean="0">
                 <a:latin typeface="Helvetica Neue" charset="0"/>
                 <a:ea typeface="Helvetica Neue" charset="0"/>
                 <a:cs typeface="Helvetica Neue" charset="0"/>
               </a:rPr>
-              <a:t>(Estimated)</a:t>
-            </a:r>
-            <a:r>
-              <a:rPr lang="en-US" sz="2800" b="1" dirty="0" smtClean="0">
+              <a:t>within Top 500 Playlists</a:t>
+            </a:r>
+          </a:p>
+          <a:p>
+            <a:r>
+              <a:rPr lang="en-US" sz="1400" dirty="0" smtClean="0">
                 <a:latin typeface="Helvetica Neue" charset="0"/>
                 <a:ea typeface="Helvetica Neue" charset="0"/>
                 <a:cs typeface="Helvetica Neue" charset="0"/>
               </a:rPr>
-              <a:t>;</a:t>
-            </a:r>
-          </a:p>
-          <a:p>
-            <a:r>
-              <a:rPr lang="en-US" sz="1400" smtClean="0">
-                <a:latin typeface="Helvetica Neue" charset="0"/>
-                <a:ea typeface="Helvetica Neue" charset="0"/>
-                <a:cs typeface="Helvetica Neue" charset="0"/>
-              </a:rPr>
-              <a:t>blablah</a:t>
+              <a:t>Estimated by assuming average track length: 3.5 min</a:t>
             </a:r>
             <a:endParaRPr lang="en-US" sz="1400" dirty="0" smtClean="0">
               <a:latin typeface="Helvetica Neue" charset="0"/>
@@ -4209,8 +4440,8 @@
         </p:nvSpPr>
         <p:spPr>
           <a:xfrm>
-            <a:off x="6286501" y="4389003"/>
-            <a:ext cx="5905500" cy="738664"/>
+            <a:off x="6286500" y="4130695"/>
+            <a:ext cx="5905500" cy="1384995"/>
           </a:xfrm>
           <a:prstGeom prst="rect">
             <a:avLst/>
@@ -4231,7 +4462,15 @@
                 <a:ea typeface="Helvetica Neue" charset="0"/>
                 <a:cs typeface="Helvetica Neue" charset="0"/>
               </a:rPr>
-              <a:t>Projected engaging time  of 90%(89.72%) of the total population is less than 1 day (361927 vs. 41439)</a:t>
+              <a:t>Projected engaging time  of 90%(89.72%) of the total population is less than 1 day (361927 vs. 41439</a:t>
+            </a:r>
+            <a:r>
+              <a:rPr lang="en-US" sz="1400" dirty="0" smtClean="0">
+                <a:latin typeface="Helvetica Neue" charset="0"/>
+                <a:ea typeface="Helvetica Neue" charset="0"/>
+                <a:cs typeface="Helvetica Neue" charset="0"/>
+              </a:rPr>
+              <a:t>)</a:t>
             </a:r>
           </a:p>
           <a:p>
@@ -4241,6 +4480,31 @@
               <a:cs typeface="Helvetica Neue" charset="0"/>
             </a:endParaRPr>
           </a:p>
+          <a:p>
+            <a:r>
+              <a:rPr lang="en-US" sz="1400" dirty="0" smtClean="0">
+                <a:latin typeface="Helvetica Neue" charset="0"/>
+                <a:ea typeface="Helvetica Neue" charset="0"/>
+                <a:cs typeface="Helvetica Neue" charset="0"/>
+              </a:rPr>
+              <a:t>The area highlighted in Green is around 100 min to 250 min, roughly 30% confidence band around 148* mins (average engaging time</a:t>
+            </a:r>
+          </a:p>
+          <a:p>
+            <a:r>
+              <a:rPr lang="en-US" sz="1400" dirty="0" smtClean="0">
+                <a:latin typeface="Helvetica Neue" charset="0"/>
+                <a:ea typeface="Helvetica Neue" charset="0"/>
+                <a:cs typeface="Helvetica Neue" charset="0"/>
+              </a:rPr>
+              <a:t>from Spotify Study)</a:t>
+            </a:r>
+            <a:endParaRPr lang="en-US" sz="1400" dirty="0">
+              <a:latin typeface="Helvetica Neue" charset="0"/>
+              <a:ea typeface="Helvetica Neue" charset="0"/>
+              <a:cs typeface="Helvetica Neue" charset="0"/>
+            </a:endParaRPr>
+          </a:p>
         </p:txBody>
       </p:sp>
       <p:sp>
@@ -4251,7 +4515,7 @@
         </p:nvSpPr>
         <p:spPr>
           <a:xfrm>
-            <a:off x="6286500" y="5170531"/>
+            <a:off x="6286500" y="5515690"/>
             <a:ext cx="5157181" cy="307777"/>
           </a:xfrm>
           <a:prstGeom prst="rect">
@@ -6044,9 +6308,53 @@
           </a:p>
         </p:txBody>
       </p:sp>
+      <p:sp>
+        <p:nvSpPr>
+          <p:cNvPr id="4" name="Double Bracket 3"/>
+          <p:cNvSpPr/>
+          <p:nvPr/>
+        </p:nvSpPr>
+        <p:spPr>
+          <a:xfrm>
+            <a:off x="1459745" y="233248"/>
+            <a:ext cx="2585001" cy="3367202"/>
+          </a:xfrm>
+          <a:prstGeom prst="bracketPair">
+            <a:avLst/>
+          </a:prstGeom>
+          <a:noFill/>
+          <a:ln w="28575">
+            <a:solidFill>
+              <a:srgbClr val="2EBD59"/>
+            </a:solidFill>
+          </a:ln>
+        </p:spPr>
+        <p:style>
+          <a:lnRef idx="1">
+            <a:schemeClr val="accent1"/>
+          </a:lnRef>
+          <a:fillRef idx="0">
+            <a:schemeClr val="accent1"/>
+          </a:fillRef>
+          <a:effectRef idx="0">
+            <a:schemeClr val="accent1"/>
+          </a:effectRef>
+          <a:fontRef idx="minor">
+            <a:schemeClr val="tx1"/>
+          </a:fontRef>
+        </p:style>
+        <p:txBody>
+          <a:bodyPr rtlCol="0" anchor="ctr"/>
+          <a:lstStyle/>
+          <a:p>
+            <a:pPr algn="ctr"/>
+            <a:endParaRPr lang="en-US"/>
+          </a:p>
+        </p:txBody>
+      </p:sp>
       <p:pic>
         <p:nvPicPr>
-          <p:cNvPr id="11" name="Picture 10"/>
+          <p:cNvPr id="10" name="Picture 9"/>
           <p:cNvPicPr>
             <a:picLocks noChangeAspect="1"/>
           </p:cNvPicPr>
@@ -6066,8 +6374,8 @@
         </p:blipFill>
         <p:spPr>
           <a:xfrm>
-            <a:off x="3528758" y="247652"/>
-            <a:ext cx="533400" cy="533400"/>
+            <a:off x="1174019" y="311947"/>
+            <a:ext cx="542923" cy="542923"/>
           </a:xfrm>
           <a:prstGeom prst="rect">
             <a:avLst/>
@@ -6076,7 +6384,7 @@
       </p:pic>
       <p:pic>
         <p:nvPicPr>
-          <p:cNvPr id="10" name="Picture 9"/>
+          <p:cNvPr id="11" name="Picture 10"/>
           <p:cNvPicPr>
             <a:picLocks noChangeAspect="1"/>
           </p:cNvPicPr>
@@ -6096,8 +6404,8 @@
         </p:blipFill>
         <p:spPr>
           <a:xfrm>
-            <a:off x="1174019" y="311947"/>
-            <a:ext cx="542923" cy="542923"/>
+            <a:off x="3526331" y="247652"/>
+            <a:ext cx="533400" cy="533400"/>
           </a:xfrm>
           <a:prstGeom prst="rect">
             <a:avLst/>

--- a/Presentation.pptx
+++ b/Presentation.pptx
@@ -5,7 +5,7 @@
     <p:sldMasterId id="2147483648" r:id="rId1"/>
   </p:sldMasterIdLst>
   <p:notesMasterIdLst>
-    <p:notesMasterId r:id="rId7"/>
+    <p:notesMasterId r:id="rId17"/>
   </p:notesMasterIdLst>
   <p:sldIdLst>
     <p:sldId id="256" r:id="rId2"/>
@@ -13,6 +13,16 @@
     <p:sldId id="260" r:id="rId4"/>
     <p:sldId id="258" r:id="rId5"/>
     <p:sldId id="259" r:id="rId6"/>
+    <p:sldId id="261" r:id="rId7"/>
+    <p:sldId id="262" r:id="rId8"/>
+    <p:sldId id="263" r:id="rId9"/>
+    <p:sldId id="264" r:id="rId10"/>
+    <p:sldId id="265" r:id="rId11"/>
+    <p:sldId id="266" r:id="rId12"/>
+    <p:sldId id="267" r:id="rId13"/>
+    <p:sldId id="268" r:id="rId14"/>
+    <p:sldId id="269" r:id="rId15"/>
+    <p:sldId id="270" r:id="rId16"/>
   </p:sldIdLst>
   <p:sldSz cx="12192000" cy="6858000"/>
   <p:notesSz cx="6858000" cy="9144000"/>
@@ -552,6 +562,466 @@
     <p:extLst>
       <p:ext uri="{BB962C8B-B14F-4D97-AF65-F5344CB8AC3E}">
         <p14:creationId xmlns:p14="http://schemas.microsoft.com/office/powerpoint/2010/main" val="748440418"/>
+      </p:ext>
+    </p:extLst>
+  </p:cSld>
+  <p:clrMapOvr>
+    <a:masterClrMapping/>
+  </p:clrMapOvr>
+</p:notes>
+</file>
+
+<file path=ppt/notesSlides/notesSlide2.xml><?xml version="1.0" encoding="utf-8"?>
+<p:notes xmlns:a="http://schemas.openxmlformats.org/drawingml/2006/main" xmlns:r="http://schemas.openxmlformats.org/officeDocument/2006/relationships" xmlns:p="http://schemas.openxmlformats.org/presentationml/2006/main">
+  <p:cSld>
+    <p:spTree>
+      <p:nvGrpSpPr>
+        <p:cNvPr id="1" name=""/>
+        <p:cNvGrpSpPr/>
+        <p:nvPr/>
+      </p:nvGrpSpPr>
+      <p:grpSpPr>
+        <a:xfrm>
+          <a:off x="0" y="0"/>
+          <a:ext cx="0" cy="0"/>
+          <a:chOff x="0" y="0"/>
+          <a:chExt cx="0" cy="0"/>
+        </a:xfrm>
+      </p:grpSpPr>
+      <p:sp>
+        <p:nvSpPr>
+          <p:cNvPr id="2" name="Slide Image Placeholder 1"/>
+          <p:cNvSpPr>
+            <a:spLocks noGrp="1" noRot="1" noChangeAspect="1"/>
+          </p:cNvSpPr>
+          <p:nvPr>
+            <p:ph type="sldImg"/>
+          </p:nvPr>
+        </p:nvSpPr>
+        <p:spPr/>
+      </p:sp>
+      <p:sp>
+        <p:nvSpPr>
+          <p:cNvPr id="3" name="Notes Placeholder 2"/>
+          <p:cNvSpPr>
+            <a:spLocks noGrp="1"/>
+          </p:cNvSpPr>
+          <p:nvPr>
+            <p:ph type="body" idx="1"/>
+          </p:nvPr>
+        </p:nvSpPr>
+        <p:spPr/>
+        <p:txBody>
+          <a:bodyPr/>
+          <a:lstStyle/>
+          <a:p>
+            <a:r>
+              <a:rPr lang="en-US" dirty="0" smtClean="0"/>
+              <a:t>Of course, Top Hits/Hot</a:t>
+            </a:r>
+            <a:r>
+              <a:rPr lang="en-US" baseline="0" dirty="0" smtClean="0"/>
+              <a:t> on Spotify is favored by rec engine as well thus leads to large exposure</a:t>
+            </a:r>
+            <a:endParaRPr lang="en-US" dirty="0"/>
+          </a:p>
+        </p:txBody>
+      </p:sp>
+      <p:sp>
+        <p:nvSpPr>
+          <p:cNvPr id="4" name="Slide Number Placeholder 3"/>
+          <p:cNvSpPr>
+            <a:spLocks noGrp="1"/>
+          </p:cNvSpPr>
+          <p:nvPr>
+            <p:ph type="sldNum" sz="quarter" idx="10"/>
+          </p:nvPr>
+        </p:nvSpPr>
+        <p:spPr/>
+        <p:txBody>
+          <a:bodyPr/>
+          <a:lstStyle/>
+          <a:p>
+            <a:fld id="{A465BDBA-C83F-3A4B-96EB-4B3A7A18FB4B}" type="slidenum">
+              <a:rPr lang="en-US" smtClean="0"/>
+              <a:t>6</a:t>
+            </a:fld>
+            <a:endParaRPr lang="en-US"/>
+          </a:p>
+        </p:txBody>
+      </p:sp>
+    </p:spTree>
+    <p:extLst>
+      <p:ext uri="{BB962C8B-B14F-4D97-AF65-F5344CB8AC3E}">
+        <p14:creationId xmlns:p14="http://schemas.microsoft.com/office/powerpoint/2010/main" val="2121582109"/>
+      </p:ext>
+    </p:extLst>
+  </p:cSld>
+  <p:clrMapOvr>
+    <a:masterClrMapping/>
+  </p:clrMapOvr>
+</p:notes>
+</file>
+
+<file path=ppt/notesSlides/notesSlide3.xml><?xml version="1.0" encoding="utf-8"?>
+<p:notes xmlns:a="http://schemas.openxmlformats.org/drawingml/2006/main" xmlns:r="http://schemas.openxmlformats.org/officeDocument/2006/relationships" xmlns:p="http://schemas.openxmlformats.org/presentationml/2006/main">
+  <p:cSld>
+    <p:spTree>
+      <p:nvGrpSpPr>
+        <p:cNvPr id="1" name=""/>
+        <p:cNvGrpSpPr/>
+        <p:nvPr/>
+      </p:nvGrpSpPr>
+      <p:grpSpPr>
+        <a:xfrm>
+          <a:off x="0" y="0"/>
+          <a:ext cx="0" cy="0"/>
+          <a:chOff x="0" y="0"/>
+          <a:chExt cx="0" cy="0"/>
+        </a:xfrm>
+      </p:grpSpPr>
+      <p:sp>
+        <p:nvSpPr>
+          <p:cNvPr id="2" name="Slide Image Placeholder 1"/>
+          <p:cNvSpPr>
+            <a:spLocks noGrp="1" noRot="1" noChangeAspect="1"/>
+          </p:cNvSpPr>
+          <p:nvPr>
+            <p:ph type="sldImg"/>
+          </p:nvPr>
+        </p:nvSpPr>
+        <p:spPr/>
+      </p:sp>
+      <p:sp>
+        <p:nvSpPr>
+          <p:cNvPr id="3" name="Notes Placeholder 2"/>
+          <p:cNvSpPr>
+            <a:spLocks noGrp="1"/>
+          </p:cNvSpPr>
+          <p:nvPr>
+            <p:ph type="body" idx="1"/>
+          </p:nvPr>
+        </p:nvSpPr>
+        <p:spPr/>
+        <p:txBody>
+          <a:bodyPr/>
+          <a:lstStyle/>
+          <a:p>
+            <a:r>
+              <a:rPr lang="en-US" dirty="0" smtClean="0"/>
+              <a:t>Of course, Top Hits/Hot</a:t>
+            </a:r>
+            <a:r>
+              <a:rPr lang="en-US" baseline="0" dirty="0" smtClean="0"/>
+              <a:t> on Spotify is favored by rec engine as well thus leads to large exposure</a:t>
+            </a:r>
+            <a:endParaRPr lang="en-US" dirty="0"/>
+          </a:p>
+        </p:txBody>
+      </p:sp>
+      <p:sp>
+        <p:nvSpPr>
+          <p:cNvPr id="4" name="Slide Number Placeholder 3"/>
+          <p:cNvSpPr>
+            <a:spLocks noGrp="1"/>
+          </p:cNvSpPr>
+          <p:nvPr>
+            <p:ph type="sldNum" sz="quarter" idx="10"/>
+          </p:nvPr>
+        </p:nvSpPr>
+        <p:spPr/>
+        <p:txBody>
+          <a:bodyPr/>
+          <a:lstStyle/>
+          <a:p>
+            <a:fld id="{A465BDBA-C83F-3A4B-96EB-4B3A7A18FB4B}" type="slidenum">
+              <a:rPr lang="en-US" smtClean="0"/>
+              <a:t>7</a:t>
+            </a:fld>
+            <a:endParaRPr lang="en-US"/>
+          </a:p>
+        </p:txBody>
+      </p:sp>
+    </p:spTree>
+    <p:extLst>
+      <p:ext uri="{BB962C8B-B14F-4D97-AF65-F5344CB8AC3E}">
+        <p14:creationId xmlns:p14="http://schemas.microsoft.com/office/powerpoint/2010/main" val="1651927370"/>
+      </p:ext>
+    </p:extLst>
+  </p:cSld>
+  <p:clrMapOvr>
+    <a:masterClrMapping/>
+  </p:clrMapOvr>
+</p:notes>
+</file>
+
+<file path=ppt/notesSlides/notesSlide4.xml><?xml version="1.0" encoding="utf-8"?>
+<p:notes xmlns:a="http://schemas.openxmlformats.org/drawingml/2006/main" xmlns:r="http://schemas.openxmlformats.org/officeDocument/2006/relationships" xmlns:p="http://schemas.openxmlformats.org/presentationml/2006/main">
+  <p:cSld>
+    <p:spTree>
+      <p:nvGrpSpPr>
+        <p:cNvPr id="1" name=""/>
+        <p:cNvGrpSpPr/>
+        <p:nvPr/>
+      </p:nvGrpSpPr>
+      <p:grpSpPr>
+        <a:xfrm>
+          <a:off x="0" y="0"/>
+          <a:ext cx="0" cy="0"/>
+          <a:chOff x="0" y="0"/>
+          <a:chExt cx="0" cy="0"/>
+        </a:xfrm>
+      </p:grpSpPr>
+      <p:sp>
+        <p:nvSpPr>
+          <p:cNvPr id="2" name="Slide Image Placeholder 1"/>
+          <p:cNvSpPr>
+            <a:spLocks noGrp="1" noRot="1" noChangeAspect="1"/>
+          </p:cNvSpPr>
+          <p:nvPr>
+            <p:ph type="sldImg"/>
+          </p:nvPr>
+        </p:nvSpPr>
+        <p:spPr/>
+      </p:sp>
+      <p:sp>
+        <p:nvSpPr>
+          <p:cNvPr id="3" name="Notes Placeholder 2"/>
+          <p:cNvSpPr>
+            <a:spLocks noGrp="1"/>
+          </p:cNvSpPr>
+          <p:nvPr>
+            <p:ph type="body" idx="1"/>
+          </p:nvPr>
+        </p:nvSpPr>
+        <p:spPr/>
+        <p:txBody>
+          <a:bodyPr/>
+          <a:lstStyle/>
+          <a:p>
+            <a:r>
+              <a:rPr lang="en-US" dirty="0" smtClean="0"/>
+              <a:t>Of course, Top Hits/Hot</a:t>
+            </a:r>
+            <a:r>
+              <a:rPr lang="en-US" baseline="0" dirty="0" smtClean="0"/>
+              <a:t> on Spotify is favored by rec engine as well thus leads to large exposure</a:t>
+            </a:r>
+            <a:endParaRPr lang="en-US" dirty="0"/>
+          </a:p>
+        </p:txBody>
+      </p:sp>
+      <p:sp>
+        <p:nvSpPr>
+          <p:cNvPr id="4" name="Slide Number Placeholder 3"/>
+          <p:cNvSpPr>
+            <a:spLocks noGrp="1"/>
+          </p:cNvSpPr>
+          <p:nvPr>
+            <p:ph type="sldNum" sz="quarter" idx="10"/>
+          </p:nvPr>
+        </p:nvSpPr>
+        <p:spPr/>
+        <p:txBody>
+          <a:bodyPr/>
+          <a:lstStyle/>
+          <a:p>
+            <a:fld id="{A465BDBA-C83F-3A4B-96EB-4B3A7A18FB4B}" type="slidenum">
+              <a:rPr lang="en-US" smtClean="0"/>
+              <a:t>8</a:t>
+            </a:fld>
+            <a:endParaRPr lang="en-US"/>
+          </a:p>
+        </p:txBody>
+      </p:sp>
+    </p:spTree>
+    <p:extLst>
+      <p:ext uri="{BB962C8B-B14F-4D97-AF65-F5344CB8AC3E}">
+        <p14:creationId xmlns:p14="http://schemas.microsoft.com/office/powerpoint/2010/main" val="16531359"/>
+      </p:ext>
+    </p:extLst>
+  </p:cSld>
+  <p:clrMapOvr>
+    <a:masterClrMapping/>
+  </p:clrMapOvr>
+</p:notes>
+</file>
+
+<file path=ppt/notesSlides/notesSlide5.xml><?xml version="1.0" encoding="utf-8"?>
+<p:notes xmlns:a="http://schemas.openxmlformats.org/drawingml/2006/main" xmlns:r="http://schemas.openxmlformats.org/officeDocument/2006/relationships" xmlns:p="http://schemas.openxmlformats.org/presentationml/2006/main">
+  <p:cSld>
+    <p:spTree>
+      <p:nvGrpSpPr>
+        <p:cNvPr id="1" name=""/>
+        <p:cNvGrpSpPr/>
+        <p:nvPr/>
+      </p:nvGrpSpPr>
+      <p:grpSpPr>
+        <a:xfrm>
+          <a:off x="0" y="0"/>
+          <a:ext cx="0" cy="0"/>
+          <a:chOff x="0" y="0"/>
+          <a:chExt cx="0" cy="0"/>
+        </a:xfrm>
+      </p:grpSpPr>
+      <p:sp>
+        <p:nvSpPr>
+          <p:cNvPr id="2" name="Slide Image Placeholder 1"/>
+          <p:cNvSpPr>
+            <a:spLocks noGrp="1" noRot="1" noChangeAspect="1"/>
+          </p:cNvSpPr>
+          <p:nvPr>
+            <p:ph type="sldImg"/>
+          </p:nvPr>
+        </p:nvSpPr>
+        <p:spPr/>
+      </p:sp>
+      <p:sp>
+        <p:nvSpPr>
+          <p:cNvPr id="3" name="Notes Placeholder 2"/>
+          <p:cNvSpPr>
+            <a:spLocks noGrp="1"/>
+          </p:cNvSpPr>
+          <p:nvPr>
+            <p:ph type="body" idx="1"/>
+          </p:nvPr>
+        </p:nvSpPr>
+        <p:spPr/>
+        <p:txBody>
+          <a:bodyPr/>
+          <a:lstStyle/>
+          <a:p>
+            <a:r>
+              <a:rPr lang="en-US" dirty="0" smtClean="0"/>
+              <a:t>Of course, Top Hits/Hot</a:t>
+            </a:r>
+            <a:r>
+              <a:rPr lang="en-US" baseline="0" dirty="0" smtClean="0"/>
+              <a:t> on Spotify is favored by rec engine as well thus leads to large exposure</a:t>
+            </a:r>
+            <a:endParaRPr lang="en-US" dirty="0"/>
+          </a:p>
+        </p:txBody>
+      </p:sp>
+      <p:sp>
+        <p:nvSpPr>
+          <p:cNvPr id="4" name="Slide Number Placeholder 3"/>
+          <p:cNvSpPr>
+            <a:spLocks noGrp="1"/>
+          </p:cNvSpPr>
+          <p:nvPr>
+            <p:ph type="sldNum" sz="quarter" idx="10"/>
+          </p:nvPr>
+        </p:nvSpPr>
+        <p:spPr/>
+        <p:txBody>
+          <a:bodyPr/>
+          <a:lstStyle/>
+          <a:p>
+            <a:fld id="{A465BDBA-C83F-3A4B-96EB-4B3A7A18FB4B}" type="slidenum">
+              <a:rPr lang="en-US" smtClean="0"/>
+              <a:t>9</a:t>
+            </a:fld>
+            <a:endParaRPr lang="en-US"/>
+          </a:p>
+        </p:txBody>
+      </p:sp>
+    </p:spTree>
+    <p:extLst>
+      <p:ext uri="{BB962C8B-B14F-4D97-AF65-F5344CB8AC3E}">
+        <p14:creationId xmlns:p14="http://schemas.microsoft.com/office/powerpoint/2010/main" val="1606340116"/>
+      </p:ext>
+    </p:extLst>
+  </p:cSld>
+  <p:clrMapOvr>
+    <a:masterClrMapping/>
+  </p:clrMapOvr>
+</p:notes>
+</file>
+
+<file path=ppt/notesSlides/notesSlide6.xml><?xml version="1.0" encoding="utf-8"?>
+<p:notes xmlns:a="http://schemas.openxmlformats.org/drawingml/2006/main" xmlns:r="http://schemas.openxmlformats.org/officeDocument/2006/relationships" xmlns:p="http://schemas.openxmlformats.org/presentationml/2006/main">
+  <p:cSld>
+    <p:spTree>
+      <p:nvGrpSpPr>
+        <p:cNvPr id="1" name=""/>
+        <p:cNvGrpSpPr/>
+        <p:nvPr/>
+      </p:nvGrpSpPr>
+      <p:grpSpPr>
+        <a:xfrm>
+          <a:off x="0" y="0"/>
+          <a:ext cx="0" cy="0"/>
+          <a:chOff x="0" y="0"/>
+          <a:chExt cx="0" cy="0"/>
+        </a:xfrm>
+      </p:grpSpPr>
+      <p:sp>
+        <p:nvSpPr>
+          <p:cNvPr id="2" name="Slide Image Placeholder 1"/>
+          <p:cNvSpPr>
+            <a:spLocks noGrp="1" noRot="1" noChangeAspect="1"/>
+          </p:cNvSpPr>
+          <p:nvPr>
+            <p:ph type="sldImg"/>
+          </p:nvPr>
+        </p:nvSpPr>
+        <p:spPr/>
+      </p:sp>
+      <p:sp>
+        <p:nvSpPr>
+          <p:cNvPr id="3" name="Notes Placeholder 2"/>
+          <p:cNvSpPr>
+            <a:spLocks noGrp="1"/>
+          </p:cNvSpPr>
+          <p:nvPr>
+            <p:ph type="body" idx="1"/>
+          </p:nvPr>
+        </p:nvSpPr>
+        <p:spPr/>
+        <p:txBody>
+          <a:bodyPr/>
+          <a:lstStyle/>
+          <a:p>
+            <a:r>
+              <a:rPr lang="en-US" dirty="0" smtClean="0"/>
+              <a:t>Of course, Top Hits/Hot</a:t>
+            </a:r>
+            <a:r>
+              <a:rPr lang="en-US" baseline="0" dirty="0" smtClean="0"/>
+              <a:t> on Spotify is favored by rec engine as well thus leads to large exposure</a:t>
+            </a:r>
+            <a:endParaRPr lang="en-US" dirty="0"/>
+          </a:p>
+        </p:txBody>
+      </p:sp>
+      <p:sp>
+        <p:nvSpPr>
+          <p:cNvPr id="4" name="Slide Number Placeholder 3"/>
+          <p:cNvSpPr>
+            <a:spLocks noGrp="1"/>
+          </p:cNvSpPr>
+          <p:nvPr>
+            <p:ph type="sldNum" sz="quarter" idx="10"/>
+          </p:nvPr>
+        </p:nvSpPr>
+        <p:spPr/>
+        <p:txBody>
+          <a:bodyPr/>
+          <a:lstStyle/>
+          <a:p>
+            <a:fld id="{A465BDBA-C83F-3A4B-96EB-4B3A7A18FB4B}" type="slidenum">
+              <a:rPr lang="en-US" smtClean="0"/>
+              <a:t>13</a:t>
+            </a:fld>
+            <a:endParaRPr lang="en-US"/>
+          </a:p>
+        </p:txBody>
+      </p:sp>
+    </p:spTree>
+    <p:extLst>
+      <p:ext uri="{BB962C8B-B14F-4D97-AF65-F5344CB8AC3E}">
+        <p14:creationId xmlns:p14="http://schemas.microsoft.com/office/powerpoint/2010/main" val="806977520"/>
       </p:ext>
     </p:extLst>
   </p:cSld>
@@ -3434,7 +3904,7 @@
         </p:nvSpPr>
         <p:spPr>
           <a:xfrm>
-            <a:off x="1271587" y="2386012"/>
+            <a:off x="2626941" y="2844225"/>
             <a:ext cx="6938118" cy="1169551"/>
           </a:xfrm>
           <a:prstGeom prst="rect">
@@ -3621,6 +4091,1797 @@
     <p:extLst>
       <p:ext uri="{BB962C8B-B14F-4D97-AF65-F5344CB8AC3E}">
         <p14:creationId xmlns:p14="http://schemas.microsoft.com/office/powerpoint/2010/main" val="76914611"/>
+      </p:ext>
+    </p:extLst>
+  </p:cSld>
+  <p:clrMapOvr>
+    <a:masterClrMapping/>
+  </p:clrMapOvr>
+  <p:timing>
+    <p:tnLst>
+      <p:par>
+        <p:cTn id="1" dur="indefinite" restart="never" nodeType="tmRoot"/>
+      </p:par>
+    </p:tnLst>
+  </p:timing>
+</p:sld>
+</file>
+
+<file path=ppt/slides/slide10.xml><?xml version="1.0" encoding="utf-8"?>
+<p:sld xmlns:a="http://schemas.openxmlformats.org/drawingml/2006/main" xmlns:r="http://schemas.openxmlformats.org/officeDocument/2006/relationships" xmlns:p="http://schemas.openxmlformats.org/presentationml/2006/main">
+  <p:cSld>
+    <p:bg>
+      <p:bgPr>
+        <a:solidFill>
+          <a:srgbClr val="2EBD59"/>
+        </a:solidFill>
+        <a:effectLst/>
+      </p:bgPr>
+    </p:bg>
+    <p:spTree>
+      <p:nvGrpSpPr>
+        <p:cNvPr id="1" name=""/>
+        <p:cNvGrpSpPr/>
+        <p:nvPr/>
+      </p:nvGrpSpPr>
+      <p:grpSpPr>
+        <a:xfrm>
+          <a:off x="0" y="0"/>
+          <a:ext cx="0" cy="0"/>
+          <a:chOff x="0" y="0"/>
+          <a:chExt cx="0" cy="0"/>
+        </a:xfrm>
+      </p:grpSpPr>
+      <p:sp>
+        <p:nvSpPr>
+          <p:cNvPr id="8" name="TextBox 7"/>
+          <p:cNvSpPr txBox="1"/>
+          <p:nvPr/>
+        </p:nvSpPr>
+        <p:spPr>
+          <a:xfrm>
+            <a:off x="612020" y="497251"/>
+            <a:ext cx="7968848" cy="1600438"/>
+          </a:xfrm>
+          <a:prstGeom prst="rect">
+            <a:avLst/>
+          </a:prstGeom>
+          <a:noFill/>
+        </p:spPr>
+        <p:txBody>
+          <a:bodyPr wrap="none" rtlCol="0">
+            <a:spAutoFit/>
+          </a:bodyPr>
+          <a:lstStyle/>
+          <a:p>
+            <a:r>
+              <a:rPr lang="en-US" sz="2800" b="1" dirty="0" smtClean="0">
+                <a:solidFill>
+                  <a:schemeClr val="bg1"/>
+                </a:solidFill>
+                <a:latin typeface="Helvetica Neue" charset="0"/>
+                <a:ea typeface="Helvetica Neue" charset="0"/>
+                <a:cs typeface="Helvetica Neue" charset="0"/>
+              </a:rPr>
+              <a:t>A formula of a “successful” playlist leading to</a:t>
+            </a:r>
+          </a:p>
+          <a:p>
+            <a:r>
+              <a:rPr lang="en-US" sz="2800" b="1" dirty="0" smtClean="0">
+                <a:solidFill>
+                  <a:schemeClr val="bg1"/>
+                </a:solidFill>
+                <a:latin typeface="Helvetica Neue" charset="0"/>
+                <a:ea typeface="Helvetica Neue" charset="0"/>
+                <a:cs typeface="Helvetica Neue" charset="0"/>
+              </a:rPr>
+              <a:t>high engaging and revenue-generation.</a:t>
+            </a:r>
+            <a:endParaRPr lang="en-US" sz="2800" b="1" dirty="0" smtClean="0">
+              <a:solidFill>
+                <a:schemeClr val="bg1"/>
+              </a:solidFill>
+              <a:latin typeface="Helvetica Neue" charset="0"/>
+              <a:ea typeface="Helvetica Neue" charset="0"/>
+              <a:cs typeface="Helvetica Neue" charset="0"/>
+            </a:endParaRPr>
+          </a:p>
+          <a:p>
+            <a:endParaRPr lang="en-US" sz="1400" b="1" dirty="0" smtClean="0">
+              <a:solidFill>
+                <a:schemeClr val="bg1"/>
+              </a:solidFill>
+              <a:latin typeface="Helvetica Neue" charset="0"/>
+              <a:ea typeface="Helvetica Neue" charset="0"/>
+              <a:cs typeface="Helvetica Neue" charset="0"/>
+            </a:endParaRPr>
+          </a:p>
+          <a:p>
+            <a:r>
+              <a:rPr lang="en-US" sz="1400" b="1" dirty="0" smtClean="0">
+                <a:solidFill>
+                  <a:schemeClr val="bg1"/>
+                </a:solidFill>
+                <a:latin typeface="Helvetica Neue" charset="0"/>
+                <a:ea typeface="Helvetica Neue" charset="0"/>
+                <a:cs typeface="Helvetica Neue" charset="0"/>
+              </a:rPr>
+              <a:t>NOTE:</a:t>
+            </a:r>
+          </a:p>
+          <a:p>
+            <a:r>
+              <a:rPr lang="en-US" sz="1400" dirty="0" smtClean="0">
+                <a:latin typeface="Helvetica Neue" charset="0"/>
+                <a:ea typeface="Helvetica Neue" charset="0"/>
+                <a:cs typeface="Helvetica Neue" charset="0"/>
+              </a:rPr>
+              <a:t>Purely from this datasets, and data/metrics perspective along with assumptions</a:t>
+            </a:r>
+            <a:endParaRPr lang="en-US" sz="1400" dirty="0">
+              <a:latin typeface="Helvetica Neue" charset="0"/>
+              <a:ea typeface="Helvetica Neue" charset="0"/>
+              <a:cs typeface="Helvetica Neue" charset="0"/>
+            </a:endParaRPr>
+          </a:p>
+        </p:txBody>
+      </p:sp>
+      <p:grpSp>
+        <p:nvGrpSpPr>
+          <p:cNvPr id="15" name="Group 14"/>
+          <p:cNvGrpSpPr/>
+          <p:nvPr/>
+        </p:nvGrpSpPr>
+        <p:grpSpPr>
+          <a:xfrm>
+            <a:off x="567592" y="2643269"/>
+            <a:ext cx="11056817" cy="1571462"/>
+            <a:chOff x="584001" y="3139206"/>
+            <a:chExt cx="11056817" cy="1571462"/>
+          </a:xfrm>
+        </p:grpSpPr>
+        <p:sp>
+          <p:nvSpPr>
+            <p:cNvPr id="2" name="TextBox 1"/>
+            <p:cNvSpPr txBox="1"/>
+            <p:nvPr/>
+          </p:nvSpPr>
+          <p:spPr>
+            <a:xfrm>
+              <a:off x="584001" y="3189782"/>
+              <a:ext cx="1319592" cy="369332"/>
+            </a:xfrm>
+            <a:prstGeom prst="rect">
+              <a:avLst/>
+            </a:prstGeom>
+            <a:noFill/>
+          </p:spPr>
+          <p:txBody>
+            <a:bodyPr wrap="none" rtlCol="0">
+              <a:spAutoFit/>
+            </a:bodyPr>
+            <a:lstStyle/>
+            <a:p>
+              <a:r>
+                <a:rPr lang="en-US" b="1" dirty="0" smtClean="0">
+                  <a:latin typeface="Helvetica Neue Condensed Black" charset="0"/>
+                  <a:ea typeface="Helvetica Neue Condensed Black" charset="0"/>
+                  <a:cs typeface="Helvetica Neue Condensed Black" charset="0"/>
+                </a:rPr>
+                <a:t>A playlist of</a:t>
+              </a:r>
+              <a:endParaRPr lang="en-US" b="1" dirty="0">
+                <a:latin typeface="Helvetica Neue Condensed Black" charset="0"/>
+                <a:ea typeface="Helvetica Neue Condensed Black" charset="0"/>
+                <a:cs typeface="Helvetica Neue Condensed Black" charset="0"/>
+              </a:endParaRPr>
+            </a:p>
+          </p:txBody>
+        </p:sp>
+        <p:grpSp>
+          <p:nvGrpSpPr>
+            <p:cNvPr id="3" name="Group 2"/>
+            <p:cNvGrpSpPr/>
+            <p:nvPr/>
+          </p:nvGrpSpPr>
+          <p:grpSpPr>
+            <a:xfrm>
+              <a:off x="1721813" y="3139206"/>
+              <a:ext cx="3114798" cy="1571462"/>
+              <a:chOff x="2119994" y="2823078"/>
+              <a:chExt cx="3114798" cy="1571462"/>
+            </a:xfrm>
+          </p:grpSpPr>
+          <p:sp>
+            <p:nvSpPr>
+              <p:cNvPr id="4" name="TextBox 3"/>
+              <p:cNvSpPr txBox="1"/>
+              <p:nvPr/>
+            </p:nvSpPr>
+            <p:spPr>
+              <a:xfrm>
+                <a:off x="2119994" y="3021594"/>
+                <a:ext cx="1383712" cy="1015663"/>
+              </a:xfrm>
+              <a:prstGeom prst="rect">
+                <a:avLst/>
+              </a:prstGeom>
+              <a:noFill/>
+            </p:spPr>
+            <p:txBody>
+              <a:bodyPr wrap="none" rtlCol="0">
+                <a:spAutoFit/>
+              </a:bodyPr>
+              <a:lstStyle/>
+              <a:p>
+                <a:r>
+                  <a:rPr lang="en-US" sz="6000" b="1" dirty="0">
+                    <a:solidFill>
+                      <a:srgbClr val="FF565A"/>
+                    </a:solidFill>
+                    <a:latin typeface="Helvetica Neue Condensed Black" charset="0"/>
+                    <a:ea typeface="Helvetica Neue Condensed Black" charset="0"/>
+                    <a:cs typeface="Helvetica Neue Condensed Black" charset="0"/>
+                  </a:rPr>
+                  <a:t>P</a:t>
+                </a:r>
+                <a:r>
+                  <a:rPr lang="en-US" sz="6000" b="1" dirty="0" smtClean="0">
+                    <a:solidFill>
+                      <a:srgbClr val="FF565A"/>
+                    </a:solidFill>
+                    <a:latin typeface="Helvetica Neue Condensed Black" charset="0"/>
+                    <a:ea typeface="Helvetica Neue Condensed Black" charset="0"/>
+                    <a:cs typeface="Helvetica Neue Condensed Black" charset="0"/>
+                  </a:rPr>
+                  <a:t>op</a:t>
+                </a:r>
+                <a:endParaRPr lang="en-US" sz="6000" b="1" dirty="0">
+                  <a:solidFill>
+                    <a:srgbClr val="FF565A"/>
+                  </a:solidFill>
+                  <a:latin typeface="Helvetica Neue Condensed Black" charset="0"/>
+                  <a:ea typeface="Helvetica Neue Condensed Black" charset="0"/>
+                  <a:cs typeface="Helvetica Neue Condensed Black" charset="0"/>
+                </a:endParaRPr>
+              </a:p>
+            </p:txBody>
+          </p:sp>
+          <p:sp>
+            <p:nvSpPr>
+              <p:cNvPr id="5" name="TextBox 4"/>
+              <p:cNvSpPr txBox="1"/>
+              <p:nvPr/>
+            </p:nvSpPr>
+            <p:spPr>
+              <a:xfrm>
+                <a:off x="2548210" y="2823078"/>
+                <a:ext cx="2196435" cy="646331"/>
+              </a:xfrm>
+              <a:prstGeom prst="rect">
+                <a:avLst/>
+              </a:prstGeom>
+              <a:noFill/>
+            </p:spPr>
+            <p:txBody>
+              <a:bodyPr wrap="none" rtlCol="0">
+                <a:spAutoFit/>
+              </a:bodyPr>
+              <a:lstStyle/>
+              <a:p>
+                <a:r>
+                  <a:rPr lang="en-US" sz="3600" b="1" dirty="0" smtClean="0">
+                    <a:solidFill>
+                      <a:srgbClr val="7A004F"/>
+                    </a:solidFill>
+                    <a:latin typeface="Helvetica Neue Condensed Black" charset="0"/>
+                    <a:ea typeface="Helvetica Neue Condensed Black" charset="0"/>
+                    <a:cs typeface="Helvetica Neue Condensed Black" charset="0"/>
+                  </a:rPr>
+                  <a:t>Indie Rock</a:t>
+                </a:r>
+                <a:endParaRPr lang="en-US" sz="3600" b="1" dirty="0">
+                  <a:solidFill>
+                    <a:srgbClr val="7A004F"/>
+                  </a:solidFill>
+                  <a:latin typeface="Helvetica Neue Condensed Black" charset="0"/>
+                  <a:ea typeface="Helvetica Neue Condensed Black" charset="0"/>
+                  <a:cs typeface="Helvetica Neue Condensed Black" charset="0"/>
+                </a:endParaRPr>
+              </a:p>
+            </p:txBody>
+          </p:sp>
+          <p:sp>
+            <p:nvSpPr>
+              <p:cNvPr id="6" name="TextBox 5"/>
+              <p:cNvSpPr txBox="1"/>
+              <p:nvPr/>
+            </p:nvSpPr>
+            <p:spPr>
+              <a:xfrm>
+                <a:off x="3136141" y="3723532"/>
+                <a:ext cx="2098651" cy="461665"/>
+              </a:xfrm>
+              <a:prstGeom prst="rect">
+                <a:avLst/>
+              </a:prstGeom>
+              <a:noFill/>
+            </p:spPr>
+            <p:txBody>
+              <a:bodyPr wrap="none" rtlCol="0">
+                <a:spAutoFit/>
+              </a:bodyPr>
+              <a:lstStyle/>
+              <a:p>
+                <a:r>
+                  <a:rPr lang="en-US" sz="2400" b="1" dirty="0" smtClean="0">
+                    <a:solidFill>
+                      <a:srgbClr val="007B88"/>
+                    </a:solidFill>
+                    <a:latin typeface="Helvetica Neue Condensed Black" charset="0"/>
+                    <a:ea typeface="Helvetica Neue Condensed Black" charset="0"/>
+                    <a:cs typeface="Helvetica Neue Condensed Black" charset="0"/>
+                  </a:rPr>
+                  <a:t>Dance &amp; House</a:t>
+                </a:r>
+                <a:endParaRPr lang="en-US" sz="2400" b="1" dirty="0">
+                  <a:solidFill>
+                    <a:srgbClr val="007B88"/>
+                  </a:solidFill>
+                  <a:latin typeface="Helvetica Neue Condensed Black" charset="0"/>
+                  <a:ea typeface="Helvetica Neue Condensed Black" charset="0"/>
+                  <a:cs typeface="Helvetica Neue Condensed Black" charset="0"/>
+                </a:endParaRPr>
+              </a:p>
+            </p:txBody>
+          </p:sp>
+          <p:sp>
+            <p:nvSpPr>
+              <p:cNvPr id="7" name="TextBox 6"/>
+              <p:cNvSpPr txBox="1"/>
+              <p:nvPr/>
+            </p:nvSpPr>
+            <p:spPr>
+              <a:xfrm>
+                <a:off x="2515134" y="3994430"/>
+                <a:ext cx="593432" cy="400110"/>
+              </a:xfrm>
+              <a:prstGeom prst="rect">
+                <a:avLst/>
+              </a:prstGeom>
+              <a:noFill/>
+            </p:spPr>
+            <p:txBody>
+              <a:bodyPr wrap="none" rtlCol="0">
+                <a:spAutoFit/>
+              </a:bodyPr>
+              <a:lstStyle/>
+              <a:p>
+                <a:r>
+                  <a:rPr lang="en-US" sz="2000" b="1" dirty="0" smtClean="0">
+                    <a:solidFill>
+                      <a:srgbClr val="00D1C1"/>
+                    </a:solidFill>
+                    <a:latin typeface="Helvetica Neue Condensed Black" charset="0"/>
+                    <a:ea typeface="Helvetica Neue Condensed Black" charset="0"/>
+                    <a:cs typeface="Helvetica Neue Condensed Black" charset="0"/>
+                  </a:rPr>
+                  <a:t>Rap</a:t>
+                </a:r>
+                <a:endParaRPr lang="en-US" sz="2000" b="1" dirty="0">
+                  <a:solidFill>
+                    <a:srgbClr val="00D1C1"/>
+                  </a:solidFill>
+                  <a:latin typeface="Helvetica Neue Condensed Black" charset="0"/>
+                  <a:ea typeface="Helvetica Neue Condensed Black" charset="0"/>
+                  <a:cs typeface="Helvetica Neue Condensed Black" charset="0"/>
+                </a:endParaRPr>
+              </a:p>
+            </p:txBody>
+          </p:sp>
+        </p:grpSp>
+        <p:grpSp>
+          <p:nvGrpSpPr>
+            <p:cNvPr id="14" name="Group 13"/>
+            <p:cNvGrpSpPr/>
+            <p:nvPr/>
+          </p:nvGrpSpPr>
+          <p:grpSpPr>
+            <a:xfrm>
+              <a:off x="8385984" y="3142878"/>
+              <a:ext cx="3254834" cy="1354218"/>
+              <a:chOff x="5527833" y="4712893"/>
+              <a:chExt cx="3254834" cy="1354218"/>
+            </a:xfrm>
+          </p:grpSpPr>
+          <p:sp>
+            <p:nvSpPr>
+              <p:cNvPr id="9" name="TextBox 8"/>
+              <p:cNvSpPr txBox="1"/>
+              <p:nvPr/>
+            </p:nvSpPr>
+            <p:spPr>
+              <a:xfrm>
+                <a:off x="5561753" y="4851393"/>
+                <a:ext cx="2521844" cy="1015663"/>
+              </a:xfrm>
+              <a:prstGeom prst="rect">
+                <a:avLst/>
+              </a:prstGeom>
+              <a:noFill/>
+            </p:spPr>
+            <p:txBody>
+              <a:bodyPr wrap="none" rtlCol="0">
+                <a:spAutoFit/>
+              </a:bodyPr>
+              <a:lstStyle/>
+              <a:p>
+                <a:r>
+                  <a:rPr lang="en-US" sz="6000" b="1" dirty="0" smtClean="0">
+                    <a:solidFill>
+                      <a:srgbClr val="FF565A"/>
+                    </a:solidFill>
+                    <a:latin typeface="Helvetica Neue Condensed Black" charset="0"/>
+                    <a:ea typeface="Helvetica Neue Condensed Black" charset="0"/>
+                    <a:cs typeface="Helvetica Neue Condensed Black" charset="0"/>
+                  </a:rPr>
+                  <a:t>Excited</a:t>
+                </a:r>
+                <a:endParaRPr lang="en-US" sz="6000" b="1" dirty="0">
+                  <a:solidFill>
+                    <a:srgbClr val="FF565A"/>
+                  </a:solidFill>
+                  <a:latin typeface="Helvetica Neue Condensed Black" charset="0"/>
+                  <a:ea typeface="Helvetica Neue Condensed Black" charset="0"/>
+                  <a:cs typeface="Helvetica Neue Condensed Black" charset="0"/>
+                </a:endParaRPr>
+              </a:p>
+            </p:txBody>
+          </p:sp>
+          <p:sp>
+            <p:nvSpPr>
+              <p:cNvPr id="10" name="TextBox 9"/>
+              <p:cNvSpPr txBox="1"/>
+              <p:nvPr/>
+            </p:nvSpPr>
+            <p:spPr>
+              <a:xfrm>
+                <a:off x="6731956" y="4712893"/>
+                <a:ext cx="1553630" cy="646331"/>
+              </a:xfrm>
+              <a:prstGeom prst="rect">
+                <a:avLst/>
+              </a:prstGeom>
+              <a:noFill/>
+            </p:spPr>
+            <p:txBody>
+              <a:bodyPr wrap="none" rtlCol="0">
+                <a:spAutoFit/>
+              </a:bodyPr>
+              <a:lstStyle/>
+              <a:p>
+                <a:r>
+                  <a:rPr lang="en-US" sz="3600" b="1" smtClean="0">
+                    <a:solidFill>
+                      <a:srgbClr val="7A004F"/>
+                    </a:solidFill>
+                    <a:latin typeface="Helvetica Neue Condensed Black" charset="0"/>
+                    <a:ea typeface="Helvetica Neue Condensed Black" charset="0"/>
+                    <a:cs typeface="Helvetica Neue Condensed Black" charset="0"/>
+                  </a:rPr>
+                  <a:t>Defiant</a:t>
+                </a:r>
+                <a:endParaRPr lang="en-US" sz="3600" b="1" dirty="0">
+                  <a:solidFill>
+                    <a:srgbClr val="7A004F"/>
+                  </a:solidFill>
+                  <a:latin typeface="Helvetica Neue Condensed Black" charset="0"/>
+                  <a:ea typeface="Helvetica Neue Condensed Black" charset="0"/>
+                  <a:cs typeface="Helvetica Neue Condensed Black" charset="0"/>
+                </a:endParaRPr>
+              </a:p>
+            </p:txBody>
+          </p:sp>
+          <p:sp>
+            <p:nvSpPr>
+              <p:cNvPr id="11" name="TextBox 10"/>
+              <p:cNvSpPr txBox="1"/>
+              <p:nvPr/>
+            </p:nvSpPr>
+            <p:spPr>
+              <a:xfrm>
+                <a:off x="5527833" y="5573195"/>
+                <a:ext cx="1294842" cy="461665"/>
+              </a:xfrm>
+              <a:prstGeom prst="rect">
+                <a:avLst/>
+              </a:prstGeom>
+              <a:noFill/>
+            </p:spPr>
+            <p:txBody>
+              <a:bodyPr wrap="none" rtlCol="0">
+                <a:spAutoFit/>
+              </a:bodyPr>
+              <a:lstStyle/>
+              <a:p>
+                <a:r>
+                  <a:rPr lang="en-US" sz="2400" b="1" smtClean="0">
+                    <a:solidFill>
+                      <a:srgbClr val="007B88"/>
+                    </a:solidFill>
+                    <a:latin typeface="Helvetica Neue Condensed Black" charset="0"/>
+                    <a:ea typeface="Helvetica Neue Condensed Black" charset="0"/>
+                    <a:cs typeface="Helvetica Neue Condensed Black" charset="0"/>
+                  </a:rPr>
+                  <a:t>Yearning</a:t>
+                </a:r>
+                <a:endParaRPr lang="en-US" sz="2400" b="1" dirty="0">
+                  <a:solidFill>
+                    <a:srgbClr val="007B88"/>
+                  </a:solidFill>
+                  <a:latin typeface="Helvetica Neue Condensed Black" charset="0"/>
+                  <a:ea typeface="Helvetica Neue Condensed Black" charset="0"/>
+                  <a:cs typeface="Helvetica Neue Condensed Black" charset="0"/>
+                </a:endParaRPr>
+              </a:p>
+            </p:txBody>
+          </p:sp>
+          <p:sp>
+            <p:nvSpPr>
+              <p:cNvPr id="12" name="TextBox 11"/>
+              <p:cNvSpPr txBox="1"/>
+              <p:nvPr/>
+            </p:nvSpPr>
+            <p:spPr>
+              <a:xfrm>
+                <a:off x="7384527" y="5667001"/>
+                <a:ext cx="1398140" cy="400110"/>
+              </a:xfrm>
+              <a:prstGeom prst="rect">
+                <a:avLst/>
+              </a:prstGeom>
+              <a:noFill/>
+            </p:spPr>
+            <p:txBody>
+              <a:bodyPr wrap="none" rtlCol="0">
+                <a:spAutoFit/>
+              </a:bodyPr>
+              <a:lstStyle/>
+              <a:p>
+                <a:r>
+                  <a:rPr lang="en-US" sz="2000" b="1" dirty="0" smtClean="0">
+                    <a:solidFill>
+                      <a:srgbClr val="00D1C1"/>
+                    </a:solidFill>
+                    <a:latin typeface="Helvetica Neue Condensed Black" charset="0"/>
+                    <a:ea typeface="Helvetica Neue Condensed Black" charset="0"/>
+                    <a:cs typeface="Helvetica Neue Condensed Black" charset="0"/>
+                  </a:rPr>
+                  <a:t>Melancholy</a:t>
+                </a:r>
+                <a:endParaRPr lang="en-US" sz="2000" b="1" dirty="0">
+                  <a:solidFill>
+                    <a:srgbClr val="00D1C1"/>
+                  </a:solidFill>
+                  <a:latin typeface="Helvetica Neue Condensed Black" charset="0"/>
+                  <a:ea typeface="Helvetica Neue Condensed Black" charset="0"/>
+                  <a:cs typeface="Helvetica Neue Condensed Black" charset="0"/>
+                </a:endParaRPr>
+              </a:p>
+            </p:txBody>
+          </p:sp>
+        </p:grpSp>
+        <p:sp>
+          <p:nvSpPr>
+            <p:cNvPr id="13" name="TextBox 12"/>
+            <p:cNvSpPr txBox="1"/>
+            <p:nvPr/>
+          </p:nvSpPr>
+          <p:spPr>
+            <a:xfrm>
+              <a:off x="3810693" y="3731860"/>
+              <a:ext cx="4575291" cy="369332"/>
+            </a:xfrm>
+            <a:prstGeom prst="rect">
+              <a:avLst/>
+            </a:prstGeom>
+            <a:noFill/>
+          </p:spPr>
+          <p:txBody>
+            <a:bodyPr wrap="none" rtlCol="0">
+              <a:spAutoFit/>
+            </a:bodyPr>
+            <a:lstStyle/>
+            <a:p>
+              <a:r>
+                <a:rPr lang="en-US" b="1" dirty="0" smtClean="0">
+                  <a:latin typeface="Helvetica Neue Condensed Black" charset="0"/>
+                  <a:ea typeface="Helvetica Neue Condensed Black" charset="0"/>
+                  <a:cs typeface="Helvetica Neue Condensed Black" charset="0"/>
+                </a:rPr>
+                <a:t>around </a:t>
+              </a:r>
+              <a:r>
+                <a:rPr lang="en-US" b="1" dirty="0" smtClean="0">
+                  <a:solidFill>
+                    <a:srgbClr val="EAF5FB"/>
+                  </a:solidFill>
+                  <a:latin typeface="Helvetica Neue Condensed Black" charset="0"/>
+                  <a:ea typeface="Helvetica Neue Condensed Black" charset="0"/>
+                  <a:cs typeface="Helvetica Neue Condensed Black" charset="0"/>
+                </a:rPr>
+                <a:t>80ish</a:t>
+              </a:r>
+              <a:r>
+                <a:rPr lang="en-US" b="1" dirty="0" smtClean="0">
+                  <a:latin typeface="Helvetica Neue Condensed Black" charset="0"/>
+                  <a:ea typeface="Helvetica Neue Condensed Black" charset="0"/>
+                  <a:cs typeface="Helvetica Neue Condensed Black" charset="0"/>
+                </a:rPr>
+                <a:t> tracks by </a:t>
+              </a:r>
+              <a:r>
+                <a:rPr lang="en-US" b="1" dirty="0" smtClean="0">
+                  <a:solidFill>
+                    <a:srgbClr val="EAF5FB"/>
+                  </a:solidFill>
+                  <a:latin typeface="Helvetica Neue Condensed Black" charset="0"/>
+                  <a:ea typeface="Helvetica Neue Condensed Black" charset="0"/>
+                  <a:cs typeface="Helvetica Neue Condensed Black" charset="0"/>
+                </a:rPr>
+                <a:t>65ish</a:t>
+              </a:r>
+              <a:r>
+                <a:rPr lang="en-US" b="1" dirty="0" smtClean="0">
+                  <a:latin typeface="Helvetica Neue Condensed Black" charset="0"/>
+                  <a:ea typeface="Helvetica Neue Condensed Black" charset="0"/>
+                  <a:cs typeface="Helvetica Neue Condensed Black" charset="0"/>
+                </a:rPr>
+                <a:t> artists bringing </a:t>
+              </a:r>
+              <a:endParaRPr lang="en-US" b="1" dirty="0">
+                <a:latin typeface="Helvetica Neue Condensed Black" charset="0"/>
+                <a:ea typeface="Helvetica Neue Condensed Black" charset="0"/>
+                <a:cs typeface="Helvetica Neue Condensed Black" charset="0"/>
+              </a:endParaRPr>
+            </a:p>
+          </p:txBody>
+        </p:sp>
+      </p:grpSp>
+    </p:spTree>
+    <p:extLst>
+      <p:ext uri="{BB962C8B-B14F-4D97-AF65-F5344CB8AC3E}">
+        <p14:creationId xmlns:p14="http://schemas.microsoft.com/office/powerpoint/2010/main" val="1305111000"/>
+      </p:ext>
+    </p:extLst>
+  </p:cSld>
+  <p:clrMapOvr>
+    <a:masterClrMapping/>
+  </p:clrMapOvr>
+  <p:timing>
+    <p:tnLst>
+      <p:par>
+        <p:cTn id="1" dur="indefinite" restart="never" nodeType="tmRoot"/>
+      </p:par>
+    </p:tnLst>
+  </p:timing>
+</p:sld>
+</file>
+
+<file path=ppt/slides/slide11.xml><?xml version="1.0" encoding="utf-8"?>
+<p:sld xmlns:a="http://schemas.openxmlformats.org/drawingml/2006/main" xmlns:r="http://schemas.openxmlformats.org/officeDocument/2006/relationships" xmlns:p="http://schemas.openxmlformats.org/presentationml/2006/main">
+  <p:cSld>
+    <p:bg>
+      <p:bgPr>
+        <a:solidFill>
+          <a:srgbClr val="2EBD59"/>
+        </a:solidFill>
+        <a:effectLst/>
+      </p:bgPr>
+    </p:bg>
+    <p:spTree>
+      <p:nvGrpSpPr>
+        <p:cNvPr id="1" name=""/>
+        <p:cNvGrpSpPr/>
+        <p:nvPr/>
+      </p:nvGrpSpPr>
+      <p:grpSpPr>
+        <a:xfrm>
+          <a:off x="0" y="0"/>
+          <a:ext cx="0" cy="0"/>
+          <a:chOff x="0" y="0"/>
+          <a:chExt cx="0" cy="0"/>
+        </a:xfrm>
+      </p:grpSpPr>
+      <p:sp>
+        <p:nvSpPr>
+          <p:cNvPr id="8" name="TextBox 7"/>
+          <p:cNvSpPr txBox="1"/>
+          <p:nvPr/>
+        </p:nvSpPr>
+        <p:spPr>
+          <a:xfrm>
+            <a:off x="4500082" y="3167390"/>
+            <a:ext cx="3191836" cy="523220"/>
+          </a:xfrm>
+          <a:prstGeom prst="rect">
+            <a:avLst/>
+          </a:prstGeom>
+          <a:noFill/>
+        </p:spPr>
+        <p:txBody>
+          <a:bodyPr wrap="none" rtlCol="0">
+            <a:spAutoFit/>
+          </a:bodyPr>
+          <a:lstStyle/>
+          <a:p>
+            <a:r>
+              <a:rPr lang="en-US" sz="2800" b="1" dirty="0" smtClean="0">
+                <a:solidFill>
+                  <a:schemeClr val="bg1"/>
+                </a:solidFill>
+                <a:latin typeface="Helvetica Neue" charset="0"/>
+                <a:ea typeface="Helvetica Neue" charset="0"/>
+                <a:cs typeface="Helvetica Neue" charset="0"/>
+              </a:rPr>
+              <a:t>One more thing</a:t>
+            </a:r>
+            <a:r>
+              <a:rPr lang="mr-IN" sz="2800" b="1" dirty="0" smtClean="0">
+                <a:solidFill>
+                  <a:schemeClr val="bg1"/>
+                </a:solidFill>
+                <a:latin typeface="Helvetica Neue" charset="0"/>
+                <a:ea typeface="Helvetica Neue" charset="0"/>
+                <a:cs typeface="Helvetica Neue" charset="0"/>
+              </a:rPr>
+              <a:t>…</a:t>
+            </a:r>
+            <a:endParaRPr lang="en-US" sz="2800" b="1" dirty="0" smtClean="0">
+              <a:solidFill>
+                <a:schemeClr val="bg1"/>
+              </a:solidFill>
+              <a:latin typeface="Helvetica Neue" charset="0"/>
+              <a:ea typeface="Helvetica Neue" charset="0"/>
+              <a:cs typeface="Helvetica Neue" charset="0"/>
+            </a:endParaRPr>
+          </a:p>
+        </p:txBody>
+      </p:sp>
+    </p:spTree>
+    <p:extLst>
+      <p:ext uri="{BB962C8B-B14F-4D97-AF65-F5344CB8AC3E}">
+        <p14:creationId xmlns:p14="http://schemas.microsoft.com/office/powerpoint/2010/main" val="1263892754"/>
+      </p:ext>
+    </p:extLst>
+  </p:cSld>
+  <p:clrMapOvr>
+    <a:masterClrMapping/>
+  </p:clrMapOvr>
+  <p:timing>
+    <p:tnLst>
+      <p:par>
+        <p:cTn id="1" dur="indefinite" restart="never" nodeType="tmRoot"/>
+      </p:par>
+    </p:tnLst>
+  </p:timing>
+</p:sld>
+</file>
+
+<file path=ppt/slides/slide12.xml><?xml version="1.0" encoding="utf-8"?>
+<p:sld xmlns:a="http://schemas.openxmlformats.org/drawingml/2006/main" xmlns:r="http://schemas.openxmlformats.org/officeDocument/2006/relationships" xmlns:p="http://schemas.openxmlformats.org/presentationml/2006/main">
+  <p:cSld>
+    <p:bg>
+      <p:bgPr>
+        <a:solidFill>
+          <a:srgbClr val="2EBD59"/>
+        </a:solidFill>
+        <a:effectLst/>
+      </p:bgPr>
+    </p:bg>
+    <p:spTree>
+      <p:nvGrpSpPr>
+        <p:cNvPr id="1" name=""/>
+        <p:cNvGrpSpPr/>
+        <p:nvPr/>
+      </p:nvGrpSpPr>
+      <p:grpSpPr>
+        <a:xfrm>
+          <a:off x="0" y="0"/>
+          <a:ext cx="0" cy="0"/>
+          <a:chOff x="0" y="0"/>
+          <a:chExt cx="0" cy="0"/>
+        </a:xfrm>
+      </p:grpSpPr>
+      <p:sp>
+        <p:nvSpPr>
+          <p:cNvPr id="8" name="TextBox 7"/>
+          <p:cNvSpPr txBox="1"/>
+          <p:nvPr/>
+        </p:nvSpPr>
+        <p:spPr>
+          <a:xfrm>
+            <a:off x="3648856" y="2736503"/>
+            <a:ext cx="4894289" cy="1384995"/>
+          </a:xfrm>
+          <a:prstGeom prst="rect">
+            <a:avLst/>
+          </a:prstGeom>
+          <a:noFill/>
+        </p:spPr>
+        <p:txBody>
+          <a:bodyPr wrap="none" rtlCol="0">
+            <a:spAutoFit/>
+          </a:bodyPr>
+          <a:lstStyle/>
+          <a:p>
+            <a:r>
+              <a:rPr lang="en-US" sz="2800" b="1" dirty="0" smtClean="0">
+                <a:solidFill>
+                  <a:schemeClr val="bg1"/>
+                </a:solidFill>
+                <a:latin typeface="Helvetica Neue" charset="0"/>
+                <a:ea typeface="Helvetica Neue" charset="0"/>
+                <a:cs typeface="Helvetica Neue" charset="0"/>
+              </a:rPr>
+              <a:t>If we talk about #MUSIC</a:t>
+            </a:r>
+          </a:p>
+          <a:p>
+            <a:r>
+              <a:rPr lang="en-US" sz="2800" b="1" dirty="0" smtClean="0">
+                <a:solidFill>
+                  <a:schemeClr val="bg1"/>
+                </a:solidFill>
+                <a:latin typeface="Helvetica Neue" charset="0"/>
+                <a:ea typeface="Helvetica Neue" charset="0"/>
+                <a:cs typeface="Helvetica Neue" charset="0"/>
+              </a:rPr>
+              <a:t>If we talk about #USERS</a:t>
+            </a:r>
+          </a:p>
+          <a:p>
+            <a:r>
+              <a:rPr lang="en-US" sz="2800" b="1" dirty="0" smtClean="0">
+                <a:solidFill>
+                  <a:schemeClr val="bg1"/>
+                </a:solidFill>
+                <a:latin typeface="Helvetica Neue" charset="0"/>
+                <a:ea typeface="Helvetica Neue" charset="0"/>
+                <a:cs typeface="Helvetica Neue" charset="0"/>
+              </a:rPr>
+              <a:t>If we talk about #INTEREST</a:t>
+            </a:r>
+            <a:endParaRPr lang="en-US" sz="2800" b="1" dirty="0" smtClean="0">
+              <a:solidFill>
+                <a:schemeClr val="bg1"/>
+              </a:solidFill>
+              <a:latin typeface="Helvetica Neue" charset="0"/>
+              <a:ea typeface="Helvetica Neue" charset="0"/>
+              <a:cs typeface="Helvetica Neue" charset="0"/>
+            </a:endParaRPr>
+          </a:p>
+        </p:txBody>
+      </p:sp>
+    </p:spTree>
+    <p:extLst>
+      <p:ext uri="{BB962C8B-B14F-4D97-AF65-F5344CB8AC3E}">
+        <p14:creationId xmlns:p14="http://schemas.microsoft.com/office/powerpoint/2010/main" val="1746210031"/>
+      </p:ext>
+    </p:extLst>
+  </p:cSld>
+  <p:clrMapOvr>
+    <a:masterClrMapping/>
+  </p:clrMapOvr>
+  <p:timing>
+    <p:tnLst>
+      <p:par>
+        <p:cTn id="1" dur="indefinite" restart="never" nodeType="tmRoot"/>
+      </p:par>
+    </p:tnLst>
+  </p:timing>
+</p:sld>
+</file>
+
+<file path=ppt/slides/slide13.xml><?xml version="1.0" encoding="utf-8"?>
+<p:sld xmlns:a="http://schemas.openxmlformats.org/drawingml/2006/main" xmlns:r="http://schemas.openxmlformats.org/officeDocument/2006/relationships" xmlns:p="http://schemas.openxmlformats.org/presentationml/2006/main">
+  <p:cSld>
+    <p:spTree>
+      <p:nvGrpSpPr>
+        <p:cNvPr id="1" name=""/>
+        <p:cNvGrpSpPr/>
+        <p:nvPr/>
+      </p:nvGrpSpPr>
+      <p:grpSpPr>
+        <a:xfrm>
+          <a:off x="0" y="0"/>
+          <a:ext cx="0" cy="0"/>
+          <a:chOff x="0" y="0"/>
+          <a:chExt cx="0" cy="0"/>
+        </a:xfrm>
+      </p:grpSpPr>
+      <p:pic>
+        <p:nvPicPr>
+          <p:cNvPr id="2" name="Picture 1"/>
+          <p:cNvPicPr>
+            <a:picLocks noChangeAspect="1"/>
+          </p:cNvPicPr>
+          <p:nvPr/>
+        </p:nvPicPr>
+        <p:blipFill>
+          <a:blip r:embed="rId3">
+            <a:extLst>
+              <a:ext uri="{28A0092B-C50C-407E-A947-70E740481C1C}">
+                <a14:useLocalDpi xmlns:a14="http://schemas.microsoft.com/office/drawing/2010/main" val="0"/>
+              </a:ext>
+            </a:extLst>
+          </a:blip>
+          <a:stretch>
+            <a:fillRect/>
+          </a:stretch>
+        </p:blipFill>
+        <p:spPr>
+          <a:xfrm>
+            <a:off x="357891" y="389744"/>
+            <a:ext cx="2555039" cy="2233534"/>
+          </a:xfrm>
+          <a:prstGeom prst="rect">
+            <a:avLst/>
+          </a:prstGeom>
+        </p:spPr>
+      </p:pic>
+      <p:pic>
+        <p:nvPicPr>
+          <p:cNvPr id="5" name="Picture 4"/>
+          <p:cNvPicPr>
+            <a:picLocks noChangeAspect="1"/>
+          </p:cNvPicPr>
+          <p:nvPr/>
+        </p:nvPicPr>
+        <p:blipFill>
+          <a:blip r:embed="rId4">
+            <a:extLst>
+              <a:ext uri="{28A0092B-C50C-407E-A947-70E740481C1C}">
+                <a14:useLocalDpi xmlns:a14="http://schemas.microsoft.com/office/drawing/2010/main" val="0"/>
+              </a:ext>
+            </a:extLst>
+          </a:blip>
+          <a:stretch>
+            <a:fillRect/>
+          </a:stretch>
+        </p:blipFill>
+        <p:spPr>
+          <a:xfrm>
+            <a:off x="2438343" y="1603948"/>
+            <a:ext cx="6021784" cy="5254052"/>
+          </a:xfrm>
+          <a:prstGeom prst="rect">
+            <a:avLst/>
+          </a:prstGeom>
+        </p:spPr>
+      </p:pic>
+      <p:sp>
+        <p:nvSpPr>
+          <p:cNvPr id="9" name="TextBox 8"/>
+          <p:cNvSpPr txBox="1"/>
+          <p:nvPr/>
+        </p:nvSpPr>
+        <p:spPr>
+          <a:xfrm>
+            <a:off x="2438343" y="1252301"/>
+            <a:ext cx="4620176" cy="954107"/>
+          </a:xfrm>
+          <a:prstGeom prst="rect">
+            <a:avLst/>
+          </a:prstGeom>
+          <a:noFill/>
+        </p:spPr>
+        <p:txBody>
+          <a:bodyPr wrap="none" rtlCol="0">
+            <a:spAutoFit/>
+          </a:bodyPr>
+          <a:lstStyle/>
+          <a:p>
+            <a:r>
+              <a:rPr lang="en-US" sz="2800" b="1" dirty="0" smtClean="0">
+                <a:latin typeface="Helvetica Neue" charset="0"/>
+                <a:ea typeface="Helvetica Neue" charset="0"/>
+                <a:cs typeface="Helvetica Neue" charset="0"/>
+              </a:rPr>
+              <a:t>If we talk about #Tastes</a:t>
+            </a:r>
+          </a:p>
+          <a:p>
+            <a:r>
+              <a:rPr lang="en-US" sz="1400" dirty="0" smtClean="0">
+                <a:latin typeface="Helvetica Neue" charset="0"/>
+                <a:ea typeface="Helvetica Neue" charset="0"/>
+                <a:cs typeface="Helvetica Neue" charset="0"/>
+              </a:rPr>
+              <a:t>With tokens available, we are able to extract top 5 taste</a:t>
+            </a:r>
+          </a:p>
+          <a:p>
+            <a:r>
+              <a:rPr lang="en-US" sz="1400" dirty="0" smtClean="0">
+                <a:latin typeface="Helvetica Neue" charset="0"/>
+                <a:ea typeface="Helvetica Neue" charset="0"/>
+                <a:cs typeface="Helvetica Neue" charset="0"/>
+              </a:rPr>
+              <a:t> from top 1000 playlists</a:t>
+            </a:r>
+            <a:endParaRPr lang="en-US" sz="1400" dirty="0" smtClean="0">
+              <a:latin typeface="Helvetica Neue" charset="0"/>
+              <a:ea typeface="Helvetica Neue" charset="0"/>
+              <a:cs typeface="Helvetica Neue" charset="0"/>
+            </a:endParaRPr>
+          </a:p>
+        </p:txBody>
+      </p:sp>
+      <p:sp>
+        <p:nvSpPr>
+          <p:cNvPr id="10" name="TextBox 9"/>
+          <p:cNvSpPr txBox="1"/>
+          <p:nvPr/>
+        </p:nvSpPr>
+        <p:spPr>
+          <a:xfrm>
+            <a:off x="2438343" y="2160827"/>
+            <a:ext cx="2792645" cy="2246769"/>
+          </a:xfrm>
+          <a:prstGeom prst="rect">
+            <a:avLst/>
+          </a:prstGeom>
+          <a:solidFill>
+            <a:srgbClr val="EAF5FB"/>
+          </a:solidFill>
+        </p:spPr>
+        <p:txBody>
+          <a:bodyPr wrap="square" rtlCol="0">
+            <a:spAutoFit/>
+          </a:bodyPr>
+          <a:lstStyle/>
+          <a:p>
+            <a:pPr marL="285750" indent="-285750">
+              <a:buFontTx/>
+              <a:buChar char="-"/>
+            </a:pPr>
+            <a:r>
+              <a:rPr lang="en-US" sz="1400" dirty="0" smtClean="0">
+                <a:solidFill>
+                  <a:srgbClr val="4B90C1"/>
+                </a:solidFill>
+                <a:latin typeface="Helvetica Neue" charset="0"/>
+                <a:ea typeface="Helvetica Neue" charset="0"/>
+                <a:cs typeface="Helvetica Neue" charset="0"/>
+              </a:rPr>
+              <a:t>{</a:t>
+            </a:r>
+            <a:r>
+              <a:rPr lang="en-US" sz="1400" dirty="0">
+                <a:solidFill>
+                  <a:srgbClr val="4B90C1"/>
+                </a:solidFill>
+              </a:rPr>
+              <a:t>countries, </a:t>
+            </a:r>
+            <a:r>
+              <a:rPr lang="en-US" sz="1400" dirty="0" smtClean="0">
+                <a:solidFill>
+                  <a:srgbClr val="4B90C1"/>
+                </a:solidFill>
+              </a:rPr>
+              <a:t>rock, best, parties, mix</a:t>
+            </a:r>
+            <a:r>
+              <a:rPr lang="en-US" sz="1400" dirty="0" smtClean="0">
+                <a:solidFill>
+                  <a:srgbClr val="4B90C1"/>
+                </a:solidFill>
+                <a:latin typeface="Helvetica Neue" charset="0"/>
+                <a:ea typeface="Helvetica Neue" charset="0"/>
+                <a:cs typeface="Helvetica Neue" charset="0"/>
+              </a:rPr>
+              <a:t>}</a:t>
+            </a:r>
+          </a:p>
+          <a:p>
+            <a:pPr marL="285750" indent="-285750">
+              <a:buFontTx/>
+              <a:buChar char="-"/>
+            </a:pPr>
+            <a:r>
+              <a:rPr lang="en-US" sz="1400" dirty="0" smtClean="0">
+                <a:solidFill>
+                  <a:srgbClr val="FF983E"/>
+                </a:solidFill>
+                <a:latin typeface="Helvetica Neue" charset="0"/>
+                <a:ea typeface="Helvetica Neue" charset="0"/>
+                <a:cs typeface="Helvetica Neue" charset="0"/>
+              </a:rPr>
+              <a:t>{pop, hit, music, summer, folk}</a:t>
+            </a:r>
+          </a:p>
+          <a:p>
+            <a:pPr marL="285750" indent="-285750">
+              <a:buFontTx/>
+              <a:buChar char="-"/>
+            </a:pPr>
+            <a:r>
+              <a:rPr lang="en-US" sz="1400" dirty="0" smtClean="0">
+                <a:solidFill>
+                  <a:srgbClr val="55B354"/>
+                </a:solidFill>
+                <a:latin typeface="Helvetica Neue" charset="0"/>
+                <a:ea typeface="Helvetica Neue" charset="0"/>
+                <a:cs typeface="Helvetica Neue" charset="0"/>
+              </a:rPr>
+              <a:t>{</a:t>
+            </a:r>
+            <a:r>
+              <a:rPr lang="en-US" sz="1400" dirty="0">
+                <a:solidFill>
+                  <a:srgbClr val="55B354"/>
+                </a:solidFill>
+              </a:rPr>
+              <a:t>music, </a:t>
+            </a:r>
+            <a:r>
+              <a:rPr lang="en-US" sz="1400" dirty="0" smtClean="0">
+                <a:solidFill>
+                  <a:srgbClr val="55B354"/>
+                </a:solidFill>
+              </a:rPr>
+              <a:t>Christian, new, parties, update</a:t>
+            </a:r>
+            <a:r>
+              <a:rPr lang="en-US" sz="1400" dirty="0" smtClean="0">
+                <a:solidFill>
+                  <a:srgbClr val="55B354"/>
+                </a:solidFill>
+                <a:latin typeface="Helvetica Neue" charset="0"/>
+                <a:ea typeface="Helvetica Neue" charset="0"/>
+                <a:cs typeface="Helvetica Neue" charset="0"/>
+              </a:rPr>
+              <a:t>}</a:t>
+            </a:r>
+          </a:p>
+          <a:p>
+            <a:pPr marL="285750" indent="-285750">
+              <a:buFontTx/>
+              <a:buChar char="-"/>
+            </a:pPr>
+            <a:r>
+              <a:rPr lang="en-US" sz="1400" dirty="0" smtClean="0">
+                <a:solidFill>
+                  <a:srgbClr val="DD5152"/>
+                </a:solidFill>
+                <a:latin typeface="Helvetica Neue" charset="0"/>
+                <a:ea typeface="Helvetica Neue" charset="0"/>
+                <a:cs typeface="Helvetica Neue" charset="0"/>
+              </a:rPr>
+              <a:t>{</a:t>
+            </a:r>
+            <a:r>
+              <a:rPr lang="en-US" sz="1400" dirty="0" smtClean="0">
+                <a:solidFill>
+                  <a:srgbClr val="DD5152"/>
+                </a:solidFill>
+              </a:rPr>
+              <a:t>playlist, ultimate, workout, best, summer</a:t>
+            </a:r>
+            <a:r>
+              <a:rPr lang="en-US" sz="1400" dirty="0" smtClean="0">
+                <a:solidFill>
+                  <a:srgbClr val="DD5152"/>
+                </a:solidFill>
+                <a:latin typeface="Helvetica Neue" charset="0"/>
+                <a:ea typeface="Helvetica Neue" charset="0"/>
+                <a:cs typeface="Helvetica Neue" charset="0"/>
+              </a:rPr>
+              <a:t>}</a:t>
+            </a:r>
+          </a:p>
+          <a:p>
+            <a:pPr marL="285750" indent="-285750">
+              <a:buFontTx/>
+              <a:buChar char="-"/>
+            </a:pPr>
+            <a:r>
+              <a:rPr lang="en-US" sz="1400" dirty="0" smtClean="0">
+                <a:solidFill>
+                  <a:srgbClr val="A984C9"/>
+                </a:solidFill>
+                <a:latin typeface="Helvetica Neue" charset="0"/>
+                <a:ea typeface="Helvetica Neue" charset="0"/>
+                <a:cs typeface="Helvetica Neue" charset="0"/>
+              </a:rPr>
+              <a:t>{</a:t>
+            </a:r>
+            <a:r>
+              <a:rPr lang="en-US" sz="1400" dirty="0" smtClean="0">
+                <a:solidFill>
+                  <a:srgbClr val="A984C9"/>
+                </a:solidFill>
+              </a:rPr>
+              <a:t>song, love, classic, new, countries</a:t>
+            </a:r>
+            <a:r>
+              <a:rPr lang="en-US" sz="1400" dirty="0" smtClean="0">
+                <a:solidFill>
+                  <a:srgbClr val="A984C9"/>
+                </a:solidFill>
+                <a:latin typeface="Helvetica Neue" charset="0"/>
+                <a:ea typeface="Helvetica Neue" charset="0"/>
+                <a:cs typeface="Helvetica Neue" charset="0"/>
+              </a:rPr>
+              <a:t>}</a:t>
+            </a:r>
+          </a:p>
+        </p:txBody>
+      </p:sp>
+      <p:pic>
+        <p:nvPicPr>
+          <p:cNvPr id="6" name="Picture 5"/>
+          <p:cNvPicPr>
+            <a:picLocks noChangeAspect="1"/>
+          </p:cNvPicPr>
+          <p:nvPr/>
+        </p:nvPicPr>
+        <p:blipFill>
+          <a:blip r:embed="rId5">
+            <a:extLst>
+              <a:ext uri="{28A0092B-C50C-407E-A947-70E740481C1C}">
+                <a14:useLocalDpi xmlns:a14="http://schemas.microsoft.com/office/drawing/2010/main" val="0"/>
+              </a:ext>
+            </a:extLst>
+          </a:blip>
+          <a:stretch>
+            <a:fillRect/>
+          </a:stretch>
+        </p:blipFill>
+        <p:spPr>
+          <a:xfrm>
+            <a:off x="7011688" y="1353990"/>
+            <a:ext cx="498423" cy="498423"/>
+          </a:xfrm>
+          <a:prstGeom prst="rect">
+            <a:avLst/>
+          </a:prstGeom>
+        </p:spPr>
+      </p:pic>
+      <p:pic>
+        <p:nvPicPr>
+          <p:cNvPr id="7" name="Picture 6"/>
+          <p:cNvPicPr>
+            <a:picLocks noChangeAspect="1"/>
+          </p:cNvPicPr>
+          <p:nvPr/>
+        </p:nvPicPr>
+        <p:blipFill>
+          <a:blip r:embed="rId6">
+            <a:extLst>
+              <a:ext uri="{28A0092B-C50C-407E-A947-70E740481C1C}">
+                <a14:useLocalDpi xmlns:a14="http://schemas.microsoft.com/office/drawing/2010/main" val="0"/>
+              </a:ext>
+            </a:extLst>
+          </a:blip>
+          <a:stretch>
+            <a:fillRect/>
+          </a:stretch>
+        </p:blipFill>
+        <p:spPr>
+          <a:xfrm>
+            <a:off x="7112615" y="2155314"/>
+            <a:ext cx="497705" cy="497705"/>
+          </a:xfrm>
+          <a:prstGeom prst="rect">
+            <a:avLst/>
+          </a:prstGeom>
+        </p:spPr>
+      </p:pic>
+      <p:pic>
+        <p:nvPicPr>
+          <p:cNvPr id="8" name="Picture 7"/>
+          <p:cNvPicPr>
+            <a:picLocks noChangeAspect="1"/>
+          </p:cNvPicPr>
+          <p:nvPr/>
+        </p:nvPicPr>
+        <p:blipFill>
+          <a:blip r:embed="rId7">
+            <a:extLst>
+              <a:ext uri="{28A0092B-C50C-407E-A947-70E740481C1C}">
+                <a14:useLocalDpi xmlns:a14="http://schemas.microsoft.com/office/drawing/2010/main" val="0"/>
+              </a:ext>
+            </a:extLst>
+          </a:blip>
+          <a:stretch>
+            <a:fillRect/>
+          </a:stretch>
+        </p:blipFill>
+        <p:spPr>
+          <a:xfrm>
+            <a:off x="5721444" y="4928122"/>
+            <a:ext cx="892748" cy="892748"/>
+          </a:xfrm>
+          <a:prstGeom prst="rect">
+            <a:avLst/>
+          </a:prstGeom>
+        </p:spPr>
+      </p:pic>
+      <p:sp>
+        <p:nvSpPr>
+          <p:cNvPr id="11" name="TextBox 10"/>
+          <p:cNvSpPr txBox="1"/>
+          <p:nvPr/>
+        </p:nvSpPr>
+        <p:spPr>
+          <a:xfrm>
+            <a:off x="6797720" y="3310634"/>
+            <a:ext cx="4848179" cy="1384995"/>
+          </a:xfrm>
+          <a:prstGeom prst="rect">
+            <a:avLst/>
+          </a:prstGeom>
+          <a:solidFill>
+            <a:srgbClr val="EAF5FB"/>
+          </a:solidFill>
+        </p:spPr>
+        <p:txBody>
+          <a:bodyPr wrap="square" rtlCol="0">
+            <a:spAutoFit/>
+          </a:bodyPr>
+          <a:lstStyle/>
+          <a:p>
+            <a:pPr marL="285750" marR="0" lvl="0" indent="-285750" defTabSz="914400" eaLnBrk="1" fontAlgn="auto" latinLnBrk="0" hangingPunct="1">
+              <a:lnSpc>
+                <a:spcPct val="100000"/>
+              </a:lnSpc>
+              <a:spcBef>
+                <a:spcPts val="0"/>
+              </a:spcBef>
+              <a:spcAft>
+                <a:spcPts val="0"/>
+              </a:spcAft>
+              <a:buClrTx/>
+              <a:buSzTx/>
+              <a:buFontTx/>
+              <a:buNone/>
+              <a:tabLst/>
+              <a:defRPr/>
+            </a:pPr>
+            <a:r>
+              <a:rPr lang="en-US" sz="1400" dirty="0" smtClean="0">
+                <a:latin typeface="Helvetica Neue" charset="0"/>
+                <a:ea typeface="Helvetica Neue" charset="0"/>
+                <a:cs typeface="Helvetica Neue" charset="0"/>
+              </a:rPr>
+              <a:t>Majority of the active users could be characterized as “Explorers”: loves country music, party and its summer!!! which possibly opens new opportunities for</a:t>
+            </a:r>
+          </a:p>
+          <a:p>
+            <a:pPr marL="285750" marR="0" lvl="0" indent="-285750" defTabSz="914400" eaLnBrk="1" fontAlgn="auto" latinLnBrk="0" hangingPunct="1">
+              <a:lnSpc>
+                <a:spcPct val="100000"/>
+              </a:lnSpc>
+              <a:spcBef>
+                <a:spcPts val="0"/>
+              </a:spcBef>
+              <a:spcAft>
+                <a:spcPts val="0"/>
+              </a:spcAft>
+              <a:buClrTx/>
+              <a:buSzTx/>
+              <a:buFontTx/>
+              <a:buNone/>
+              <a:tabLst/>
+              <a:defRPr/>
+            </a:pPr>
+            <a:r>
+              <a:rPr lang="en-US" sz="1400" dirty="0" smtClean="0">
+                <a:latin typeface="Helvetica Neue" charset="0"/>
+                <a:ea typeface="Helvetica Neue" charset="0"/>
+                <a:cs typeface="Helvetica Neue" charset="0"/>
+              </a:rPr>
+              <a:t>Brands and advertiser to do targeted marketing, trying new stuffs, new </a:t>
+            </a:r>
+            <a:r>
+              <a:rPr lang="en-US" sz="1400" dirty="0" err="1" smtClean="0">
+                <a:latin typeface="Helvetica Neue" charset="0"/>
+                <a:ea typeface="Helvetica Neue" charset="0"/>
+                <a:cs typeface="Helvetica Neue" charset="0"/>
+              </a:rPr>
+              <a:t>restaraunts</a:t>
+            </a:r>
+            <a:r>
+              <a:rPr lang="en-US" sz="1400" dirty="0" smtClean="0">
+                <a:latin typeface="Helvetica Neue" charset="0"/>
+                <a:ea typeface="Helvetica Neue" charset="0"/>
+                <a:cs typeface="Helvetica Neue" charset="0"/>
+              </a:rPr>
+              <a:t>, things related to party,</a:t>
+            </a:r>
+          </a:p>
+          <a:p>
+            <a:pPr marL="285750" marR="0" lvl="0" indent="-285750" defTabSz="914400" eaLnBrk="1" fontAlgn="auto" latinLnBrk="0" hangingPunct="1">
+              <a:lnSpc>
+                <a:spcPct val="100000"/>
+              </a:lnSpc>
+              <a:spcBef>
+                <a:spcPts val="0"/>
+              </a:spcBef>
+              <a:spcAft>
+                <a:spcPts val="0"/>
+              </a:spcAft>
+              <a:buClrTx/>
+              <a:buSzTx/>
+              <a:buFontTx/>
+              <a:buNone/>
+              <a:tabLst/>
+              <a:defRPr/>
+            </a:pPr>
+            <a:r>
+              <a:rPr lang="en-US" sz="1400" dirty="0" smtClean="0">
+                <a:latin typeface="Helvetica Neue" charset="0"/>
+                <a:ea typeface="Helvetica Neue" charset="0"/>
+                <a:cs typeface="Helvetica Neue" charset="0"/>
+              </a:rPr>
+              <a:t>travel, concert etc.</a:t>
+            </a:r>
+          </a:p>
+        </p:txBody>
+      </p:sp>
+    </p:spTree>
+    <p:extLst>
+      <p:ext uri="{BB962C8B-B14F-4D97-AF65-F5344CB8AC3E}">
+        <p14:creationId xmlns:p14="http://schemas.microsoft.com/office/powerpoint/2010/main" val="1128029548"/>
+      </p:ext>
+    </p:extLst>
+  </p:cSld>
+  <p:clrMapOvr>
+    <a:masterClrMapping/>
+  </p:clrMapOvr>
+  <p:timing>
+    <p:tnLst>
+      <p:par>
+        <p:cTn id="1" dur="indefinite" restart="never" nodeType="tmRoot"/>
+      </p:par>
+    </p:tnLst>
+  </p:timing>
+</p:sld>
+</file>
+
+<file path=ppt/slides/slide14.xml><?xml version="1.0" encoding="utf-8"?>
+<p:sld xmlns:a="http://schemas.openxmlformats.org/drawingml/2006/main" xmlns:r="http://schemas.openxmlformats.org/officeDocument/2006/relationships" xmlns:p="http://schemas.openxmlformats.org/presentationml/2006/main">
+  <p:cSld>
+    <p:bg>
+      <p:bgPr>
+        <a:solidFill>
+          <a:srgbClr val="2EBD59"/>
+        </a:solidFill>
+        <a:effectLst/>
+      </p:bgPr>
+    </p:bg>
+    <p:spTree>
+      <p:nvGrpSpPr>
+        <p:cNvPr id="1" name=""/>
+        <p:cNvGrpSpPr/>
+        <p:nvPr/>
+      </p:nvGrpSpPr>
+      <p:grpSpPr>
+        <a:xfrm>
+          <a:off x="0" y="0"/>
+          <a:ext cx="0" cy="0"/>
+          <a:chOff x="0" y="0"/>
+          <a:chExt cx="0" cy="0"/>
+        </a:xfrm>
+      </p:grpSpPr>
+      <p:sp>
+        <p:nvSpPr>
+          <p:cNvPr id="8" name="TextBox 7"/>
+          <p:cNvSpPr txBox="1"/>
+          <p:nvPr/>
+        </p:nvSpPr>
+        <p:spPr>
+          <a:xfrm>
+            <a:off x="2626941" y="2844225"/>
+            <a:ext cx="6938118" cy="954107"/>
+          </a:xfrm>
+          <a:prstGeom prst="rect">
+            <a:avLst/>
+          </a:prstGeom>
+          <a:noFill/>
+        </p:spPr>
+        <p:txBody>
+          <a:bodyPr wrap="none" rtlCol="0">
+            <a:spAutoFit/>
+          </a:bodyPr>
+          <a:lstStyle/>
+          <a:p>
+            <a:r>
+              <a:rPr lang="en-US" sz="2800" b="1" dirty="0" smtClean="0">
+                <a:solidFill>
+                  <a:schemeClr val="bg1"/>
+                </a:solidFill>
+                <a:latin typeface="Helvetica Neue" charset="0"/>
+                <a:ea typeface="Helvetica Neue" charset="0"/>
+                <a:cs typeface="Helvetica Neue" charset="0"/>
+              </a:rPr>
+              <a:t>“What we </a:t>
+            </a:r>
+            <a:r>
+              <a:rPr lang="en-US" sz="2800" b="1" dirty="0" smtClean="0">
+                <a:solidFill>
+                  <a:schemeClr val="bg1"/>
+                </a:solidFill>
+                <a:latin typeface="Helvetica Neue" charset="0"/>
+                <a:ea typeface="Helvetica Neue" charset="0"/>
+                <a:cs typeface="Helvetica Neue" charset="0"/>
+              </a:rPr>
+              <a:t>“REALLY” talk </a:t>
+            </a:r>
+            <a:r>
+              <a:rPr lang="en-US" sz="2800" b="1" dirty="0">
+                <a:solidFill>
+                  <a:schemeClr val="bg1"/>
+                </a:solidFill>
+                <a:latin typeface="Helvetica Neue" charset="0"/>
+                <a:ea typeface="Helvetica Neue" charset="0"/>
+                <a:cs typeface="Helvetica Neue" charset="0"/>
+              </a:rPr>
+              <a:t>a</a:t>
+            </a:r>
+            <a:r>
+              <a:rPr lang="en-US" sz="2800" b="1" dirty="0" smtClean="0">
+                <a:solidFill>
+                  <a:schemeClr val="bg1"/>
+                </a:solidFill>
+                <a:latin typeface="Helvetica Neue" charset="0"/>
+                <a:ea typeface="Helvetica Neue" charset="0"/>
+                <a:cs typeface="Helvetica Neue" charset="0"/>
+              </a:rPr>
+              <a:t>bout </a:t>
+            </a:r>
+          </a:p>
+          <a:p>
+            <a:r>
+              <a:rPr lang="en-US" sz="2800" b="1" dirty="0" smtClean="0">
+                <a:solidFill>
+                  <a:schemeClr val="bg1"/>
+                </a:solidFill>
+                <a:latin typeface="Helvetica Neue" charset="0"/>
+                <a:ea typeface="Helvetica Neue" charset="0"/>
+                <a:cs typeface="Helvetica Neue" charset="0"/>
+              </a:rPr>
+              <a:t>when we </a:t>
+            </a:r>
+            <a:r>
+              <a:rPr lang="en-US" sz="2800" b="1" dirty="0">
+                <a:solidFill>
+                  <a:schemeClr val="bg1"/>
+                </a:solidFill>
+                <a:latin typeface="Helvetica Neue" charset="0"/>
+                <a:ea typeface="Helvetica Neue" charset="0"/>
+                <a:cs typeface="Helvetica Neue" charset="0"/>
+              </a:rPr>
+              <a:t>t</a:t>
+            </a:r>
+            <a:r>
+              <a:rPr lang="en-US" sz="2800" b="1" dirty="0" smtClean="0">
+                <a:solidFill>
+                  <a:schemeClr val="bg1"/>
+                </a:solidFill>
+                <a:latin typeface="Helvetica Neue" charset="0"/>
+                <a:ea typeface="Helvetica Neue" charset="0"/>
+                <a:cs typeface="Helvetica Neue" charset="0"/>
+              </a:rPr>
+              <a:t>alk </a:t>
+            </a:r>
+            <a:r>
+              <a:rPr lang="en-US" sz="2800" b="1" dirty="0">
+                <a:solidFill>
+                  <a:schemeClr val="bg1"/>
+                </a:solidFill>
+                <a:latin typeface="Helvetica Neue" charset="0"/>
+                <a:ea typeface="Helvetica Neue" charset="0"/>
+                <a:cs typeface="Helvetica Neue" charset="0"/>
+              </a:rPr>
+              <a:t>a</a:t>
+            </a:r>
+            <a:r>
+              <a:rPr lang="en-US" sz="2800" b="1" dirty="0" smtClean="0">
+                <a:solidFill>
+                  <a:schemeClr val="bg1"/>
+                </a:solidFill>
+                <a:latin typeface="Helvetica Neue" charset="0"/>
+                <a:ea typeface="Helvetica Neue" charset="0"/>
+                <a:cs typeface="Helvetica Neue" charset="0"/>
+              </a:rPr>
+              <a:t>bout </a:t>
+            </a:r>
+            <a:r>
+              <a:rPr lang="en-US" sz="2800" b="1" dirty="0">
+                <a:solidFill>
+                  <a:schemeClr val="bg1"/>
+                </a:solidFill>
+                <a:latin typeface="Helvetica Neue" charset="0"/>
+                <a:ea typeface="Helvetica Neue" charset="0"/>
+                <a:cs typeface="Helvetica Neue" charset="0"/>
+              </a:rPr>
+              <a:t>s</a:t>
+            </a:r>
+            <a:r>
+              <a:rPr lang="en-US" sz="2800" b="1" dirty="0" smtClean="0">
+                <a:solidFill>
+                  <a:schemeClr val="bg1"/>
+                </a:solidFill>
+                <a:latin typeface="Helvetica Neue" charset="0"/>
+                <a:ea typeface="Helvetica Neue" charset="0"/>
+                <a:cs typeface="Helvetica Neue" charset="0"/>
+              </a:rPr>
+              <a:t>uccessful </a:t>
+            </a:r>
+            <a:r>
+              <a:rPr lang="en-US" sz="2800" b="1" dirty="0">
+                <a:solidFill>
+                  <a:schemeClr val="bg1"/>
+                </a:solidFill>
+                <a:latin typeface="Helvetica Neue" charset="0"/>
+                <a:ea typeface="Helvetica Neue" charset="0"/>
+                <a:cs typeface="Helvetica Neue" charset="0"/>
+              </a:rPr>
+              <a:t>p</a:t>
+            </a:r>
+            <a:r>
+              <a:rPr lang="en-US" sz="2800" b="1" dirty="0" smtClean="0">
+                <a:solidFill>
+                  <a:schemeClr val="bg1"/>
+                </a:solidFill>
+                <a:latin typeface="Helvetica Neue" charset="0"/>
+                <a:ea typeface="Helvetica Neue" charset="0"/>
+                <a:cs typeface="Helvetica Neue" charset="0"/>
+              </a:rPr>
+              <a:t>laylist</a:t>
+            </a:r>
+            <a:r>
+              <a:rPr lang="en-US" sz="2800" b="1" dirty="0" smtClean="0">
+                <a:solidFill>
+                  <a:schemeClr val="bg1"/>
+                </a:solidFill>
+                <a:latin typeface="Helvetica Neue" charset="0"/>
+                <a:ea typeface="Helvetica Neue" charset="0"/>
+                <a:cs typeface="Helvetica Neue" charset="0"/>
+              </a:rPr>
+              <a:t>”</a:t>
+            </a:r>
+            <a:endParaRPr lang="en-US" sz="2800" b="1" dirty="0" smtClean="0">
+              <a:solidFill>
+                <a:schemeClr val="bg1"/>
+              </a:solidFill>
+              <a:latin typeface="Helvetica Neue" charset="0"/>
+              <a:ea typeface="Helvetica Neue" charset="0"/>
+              <a:cs typeface="Helvetica Neue" charset="0"/>
+            </a:endParaRPr>
+          </a:p>
+        </p:txBody>
+      </p:sp>
+    </p:spTree>
+    <p:extLst>
+      <p:ext uri="{BB962C8B-B14F-4D97-AF65-F5344CB8AC3E}">
+        <p14:creationId xmlns:p14="http://schemas.microsoft.com/office/powerpoint/2010/main" val="1520201201"/>
+      </p:ext>
+    </p:extLst>
+  </p:cSld>
+  <p:clrMapOvr>
+    <a:masterClrMapping/>
+  </p:clrMapOvr>
+  <p:timing>
+    <p:tnLst>
+      <p:par>
+        <p:cTn id="1" dur="indefinite" restart="never" nodeType="tmRoot"/>
+      </p:par>
+    </p:tnLst>
+  </p:timing>
+</p:sld>
+</file>
+
+<file path=ppt/slides/slide15.xml><?xml version="1.0" encoding="utf-8"?>
+<p:sld xmlns:a="http://schemas.openxmlformats.org/drawingml/2006/main" xmlns:r="http://schemas.openxmlformats.org/officeDocument/2006/relationships" xmlns:p="http://schemas.openxmlformats.org/presentationml/2006/main">
+  <p:cSld>
+    <p:bg>
+      <p:bgPr>
+        <a:solidFill>
+          <a:srgbClr val="2EBD59"/>
+        </a:solidFill>
+        <a:effectLst/>
+      </p:bgPr>
+    </p:bg>
+    <p:spTree>
+      <p:nvGrpSpPr>
+        <p:cNvPr id="1" name=""/>
+        <p:cNvGrpSpPr/>
+        <p:nvPr/>
+      </p:nvGrpSpPr>
+      <p:grpSpPr>
+        <a:xfrm>
+          <a:off x="0" y="0"/>
+          <a:ext cx="0" cy="0"/>
+          <a:chOff x="0" y="0"/>
+          <a:chExt cx="0" cy="0"/>
+        </a:xfrm>
+      </p:grpSpPr>
+      <p:sp>
+        <p:nvSpPr>
+          <p:cNvPr id="8" name="TextBox 7"/>
+          <p:cNvSpPr txBox="1"/>
+          <p:nvPr/>
+        </p:nvSpPr>
+        <p:spPr>
+          <a:xfrm>
+            <a:off x="2648614" y="3167390"/>
+            <a:ext cx="6894773" cy="523220"/>
+          </a:xfrm>
+          <a:prstGeom prst="rect">
+            <a:avLst/>
+          </a:prstGeom>
+          <a:noFill/>
+        </p:spPr>
+        <p:txBody>
+          <a:bodyPr wrap="none" rtlCol="0">
+            <a:spAutoFit/>
+          </a:bodyPr>
+          <a:lstStyle/>
+          <a:p>
+            <a:r>
+              <a:rPr lang="en-US" sz="2800" b="1" smtClean="0">
+                <a:solidFill>
+                  <a:schemeClr val="bg1"/>
+                </a:solidFill>
+                <a:latin typeface="Helvetica Neue" charset="0"/>
+                <a:ea typeface="Helvetica Neue" charset="0"/>
+                <a:cs typeface="Helvetica Neue" charset="0"/>
+              </a:rPr>
+              <a:t>Affinity </a:t>
+            </a:r>
+            <a:r>
+              <a:rPr lang="en-US" sz="2800" b="1" dirty="0" smtClean="0">
+                <a:solidFill>
+                  <a:schemeClr val="bg1"/>
+                </a:solidFill>
+                <a:latin typeface="Helvetica Neue" charset="0"/>
+                <a:ea typeface="Helvetica Neue" charset="0"/>
+                <a:cs typeface="Helvetica Neue" charset="0"/>
+              </a:rPr>
+              <a:t>Between Content </a:t>
+            </a:r>
+            <a:r>
+              <a:rPr lang="en-US" sz="2800" b="1" smtClean="0">
+                <a:solidFill>
+                  <a:schemeClr val="bg1"/>
+                </a:solidFill>
+                <a:latin typeface="Helvetica Neue" charset="0"/>
+                <a:ea typeface="Helvetica Neue" charset="0"/>
+                <a:cs typeface="Helvetica Neue" charset="0"/>
+              </a:rPr>
+              <a:t>and Audience</a:t>
+            </a:r>
+            <a:endParaRPr lang="en-US" sz="2800" b="1" dirty="0">
+              <a:solidFill>
+                <a:schemeClr val="bg1"/>
+              </a:solidFill>
+              <a:latin typeface="Helvetica Neue" charset="0"/>
+              <a:ea typeface="Helvetica Neue" charset="0"/>
+              <a:cs typeface="Helvetica Neue" charset="0"/>
+            </a:endParaRPr>
+          </a:p>
+        </p:txBody>
+      </p:sp>
+    </p:spTree>
+    <p:extLst>
+      <p:ext uri="{BB962C8B-B14F-4D97-AF65-F5344CB8AC3E}">
+        <p14:creationId xmlns:p14="http://schemas.microsoft.com/office/powerpoint/2010/main" val="1983647752"/>
       </p:ext>
     </p:extLst>
   </p:cSld>
@@ -3670,8 +5931,8 @@
         </p:nvSpPr>
         <p:spPr>
           <a:xfrm>
-            <a:off x="1271587" y="2386012"/>
-            <a:ext cx="9254008" cy="2031325"/>
+            <a:off x="1468996" y="1874729"/>
+            <a:ext cx="9254008" cy="3108543"/>
           </a:xfrm>
           <a:prstGeom prst="rect">
             <a:avLst/>
@@ -3763,8 +6024,91 @@
                 <a:ea typeface="Helvetica Neue" charset="0"/>
                 <a:cs typeface="Helvetica Neue" charset="0"/>
               </a:rPr>
-              <a:t>, 31 days per month, simply for calculation convenience.</a:t>
-            </a:r>
+              <a:t>, 31 days per month, simply for calculation </a:t>
+            </a:r>
+            <a:r>
+              <a:rPr lang="en-US" sz="1400" dirty="0" smtClean="0">
+                <a:latin typeface="Helvetica Neue" charset="0"/>
+                <a:ea typeface="Helvetica Neue" charset="0"/>
+                <a:cs typeface="Helvetica Neue" charset="0"/>
+              </a:rPr>
+              <a:t>convenience, open data is also used.</a:t>
+            </a:r>
+          </a:p>
+          <a:p>
+            <a:endParaRPr lang="en-US" sz="1400" dirty="0" smtClean="0">
+              <a:latin typeface="Helvetica Neue" charset="0"/>
+              <a:ea typeface="Helvetica Neue" charset="0"/>
+              <a:cs typeface="Helvetica Neue" charset="0"/>
+            </a:endParaRPr>
+          </a:p>
+          <a:p>
+            <a:r>
+              <a:rPr lang="en-US" sz="1400" b="1" dirty="0" smtClean="0">
+                <a:solidFill>
+                  <a:schemeClr val="bg1"/>
+                </a:solidFill>
+                <a:latin typeface="Helvetica Neue" charset="0"/>
+                <a:ea typeface="Helvetica Neue" charset="0"/>
+                <a:cs typeface="Helvetica Neue" charset="0"/>
+              </a:rPr>
+              <a:t>All scripts, code, and data is available in the following repo</a:t>
+            </a:r>
+            <a:endParaRPr lang="en-US" sz="1400" b="1" dirty="0">
+              <a:solidFill>
+                <a:schemeClr val="bg1"/>
+              </a:solidFill>
+              <a:latin typeface="Helvetica Neue" charset="0"/>
+              <a:ea typeface="Helvetica Neue" charset="0"/>
+              <a:cs typeface="Helvetica Neue" charset="0"/>
+            </a:endParaRPr>
+          </a:p>
+          <a:p>
+            <a:r>
+              <a:rPr lang="en-US" sz="1400" dirty="0">
+                <a:latin typeface="Helvetica Neue" charset="0"/>
+                <a:ea typeface="Helvetica Neue" charset="0"/>
+                <a:cs typeface="Helvetica Neue" charset="0"/>
+                <a:hlinkClick r:id="rId2"/>
+              </a:rPr>
+              <a:t>https://</a:t>
+            </a:r>
+            <a:r>
+              <a:rPr lang="en-US" sz="1400" dirty="0" smtClean="0">
+                <a:latin typeface="Helvetica Neue" charset="0"/>
+                <a:ea typeface="Helvetica Neue" charset="0"/>
+                <a:cs typeface="Helvetica Neue" charset="0"/>
+                <a:hlinkClick r:id="rId2"/>
+              </a:rPr>
+              <a:t>github.com/thehongwu/playlist_summary_analysis</a:t>
+            </a:r>
+            <a:endParaRPr lang="en-US" sz="1400" dirty="0" smtClean="0">
+              <a:latin typeface="Helvetica Neue" charset="0"/>
+              <a:ea typeface="Helvetica Neue" charset="0"/>
+              <a:cs typeface="Helvetica Neue" charset="0"/>
+            </a:endParaRPr>
+          </a:p>
+          <a:p>
+            <a:r>
+              <a:rPr lang="en-US" sz="1400" dirty="0" smtClean="0">
+                <a:latin typeface="Helvetica Neue" charset="0"/>
+                <a:ea typeface="Helvetica Neue" charset="0"/>
+                <a:cs typeface="Helvetica Neue" charset="0"/>
+              </a:rPr>
+              <a:t>Will delete after interview</a:t>
+            </a:r>
+            <a:endParaRPr lang="en-US" sz="1400" dirty="0">
+              <a:latin typeface="Helvetica Neue" charset="0"/>
+              <a:ea typeface="Helvetica Neue" charset="0"/>
+              <a:cs typeface="Helvetica Neue" charset="0"/>
+            </a:endParaRPr>
+          </a:p>
+          <a:p>
+            <a:endParaRPr lang="en-US" sz="1400" dirty="0" smtClean="0">
+              <a:latin typeface="Helvetica Neue" charset="0"/>
+              <a:ea typeface="Helvetica Neue" charset="0"/>
+              <a:cs typeface="Helvetica Neue" charset="0"/>
+            </a:endParaRPr>
           </a:p>
         </p:txBody>
       </p:sp>
@@ -3813,8 +6157,8 @@
         </p:nvSpPr>
         <p:spPr>
           <a:xfrm>
-            <a:off x="1271587" y="2386012"/>
-            <a:ext cx="7834774" cy="954107"/>
+            <a:off x="2178613" y="2521059"/>
+            <a:ext cx="7834774" cy="1600438"/>
           </a:xfrm>
           <a:prstGeom prst="rect">
             <a:avLst/>
@@ -3870,13 +6214,117 @@
               </a:rPr>
               <a:t>A little bit on Data Processing</a:t>
             </a:r>
-          </a:p>
-          <a:p>
+            <a:endParaRPr lang="en-US" sz="1400" dirty="0">
+              <a:latin typeface="Helvetica Neue" charset="0"/>
+              <a:ea typeface="Helvetica Neue" charset="0"/>
+              <a:cs typeface="Helvetica Neue" charset="0"/>
+            </a:endParaRPr>
+          </a:p>
+          <a:p>
+            <a:pPr marL="285750" indent="-285750">
+              <a:buFontTx/>
+              <a:buChar char="-"/>
+            </a:pPr>
+            <a:r>
+              <a:rPr lang="en-US" sz="1400" dirty="0" err="1">
+                <a:latin typeface="Helvetica Neue" charset="0"/>
+                <a:ea typeface="Helvetica Neue" charset="0"/>
+                <a:cs typeface="Helvetica Neue" charset="0"/>
+              </a:rPr>
+              <a:t>m</a:t>
+            </a:r>
+            <a:r>
+              <a:rPr lang="en-US" sz="1400" dirty="0" err="1" smtClean="0">
+                <a:latin typeface="Helvetica Neue" charset="0"/>
+                <a:ea typeface="Helvetica Neue" charset="0"/>
+                <a:cs typeface="Helvetica Neue" charset="0"/>
+              </a:rPr>
+              <a:t>ysql</a:t>
+            </a:r>
             <a:endParaRPr lang="en-US" sz="1400" dirty="0" smtClean="0">
               <a:latin typeface="Helvetica Neue" charset="0"/>
               <a:ea typeface="Helvetica Neue" charset="0"/>
               <a:cs typeface="Helvetica Neue" charset="0"/>
             </a:endParaRPr>
+          </a:p>
+          <a:p>
+            <a:pPr marL="285750" indent="-285750">
+              <a:buFontTx/>
+              <a:buChar char="-"/>
+            </a:pPr>
+            <a:r>
+              <a:rPr lang="en-US" sz="1400" dirty="0">
+                <a:latin typeface="Helvetica Neue" charset="0"/>
+                <a:ea typeface="Helvetica Neue" charset="0"/>
+                <a:cs typeface="Helvetica Neue" charset="0"/>
+              </a:rPr>
+              <a:t>Spotify API: https://</a:t>
+            </a:r>
+            <a:r>
+              <a:rPr lang="en-US" sz="1400" dirty="0" err="1">
+                <a:latin typeface="Helvetica Neue" charset="0"/>
+                <a:ea typeface="Helvetica Neue" charset="0"/>
+                <a:cs typeface="Helvetica Neue" charset="0"/>
+              </a:rPr>
+              <a:t>developer.spotify.com</a:t>
+            </a:r>
+            <a:r>
+              <a:rPr lang="en-US" sz="1400" dirty="0">
+                <a:latin typeface="Helvetica Neue" charset="0"/>
+                <a:ea typeface="Helvetica Neue" charset="0"/>
+                <a:cs typeface="Helvetica Neue" charset="0"/>
+              </a:rPr>
+              <a:t>/web-</a:t>
+            </a:r>
+            <a:r>
+              <a:rPr lang="en-US" sz="1400" dirty="0" err="1">
+                <a:latin typeface="Helvetica Neue" charset="0"/>
+                <a:ea typeface="Helvetica Neue" charset="0"/>
+                <a:cs typeface="Helvetica Neue" charset="0"/>
+              </a:rPr>
+              <a:t>api</a:t>
+            </a:r>
+            <a:r>
+              <a:rPr lang="en-US" sz="1400" dirty="0">
+                <a:latin typeface="Helvetica Neue" charset="0"/>
+                <a:ea typeface="Helvetica Neue" charset="0"/>
+                <a:cs typeface="Helvetica Neue" charset="0"/>
+              </a:rPr>
+              <a:t>/console/get-playlist/#complete</a:t>
+            </a:r>
+            <a:endParaRPr lang="en-US" sz="1400" dirty="0" smtClean="0">
+              <a:latin typeface="Helvetica Neue" charset="0"/>
+              <a:ea typeface="Helvetica Neue" charset="0"/>
+              <a:cs typeface="Helvetica Neue" charset="0"/>
+            </a:endParaRPr>
+          </a:p>
+          <a:p>
+            <a:pPr marL="285750" indent="-285750">
+              <a:buFontTx/>
+              <a:buChar char="-"/>
+            </a:pPr>
+            <a:r>
+              <a:rPr lang="en-US" sz="1400" dirty="0" smtClean="0">
+                <a:latin typeface="Helvetica Neue" charset="0"/>
+                <a:ea typeface="Helvetica Neue" charset="0"/>
+                <a:cs typeface="Helvetica Neue" charset="0"/>
+              </a:rPr>
+              <a:t>Python, superset</a:t>
+            </a:r>
+          </a:p>
+          <a:p>
+            <a:pPr marL="285750" indent="-285750">
+              <a:buFontTx/>
+              <a:buChar char="-"/>
+            </a:pPr>
+            <a:r>
+              <a:rPr lang="en-US" sz="1400" dirty="0" smtClean="0">
+                <a:latin typeface="Helvetica Neue" charset="0"/>
+                <a:ea typeface="Helvetica Neue" charset="0"/>
+                <a:cs typeface="Helvetica Neue" charset="0"/>
+              </a:rPr>
+              <a:t>NLTK</a:t>
+            </a:r>
           </a:p>
         </p:txBody>
       </p:sp>
@@ -4441,7 +6889,7 @@
         <p:spPr>
           <a:xfrm>
             <a:off x="6286500" y="4130695"/>
-            <a:ext cx="5905500" cy="1384995"/>
+            <a:ext cx="5905500" cy="1600438"/>
           </a:xfrm>
           <a:prstGeom prst="rect">
             <a:avLst/>
@@ -4487,7 +6935,7 @@
                 <a:ea typeface="Helvetica Neue" charset="0"/>
                 <a:cs typeface="Helvetica Neue" charset="0"/>
               </a:rPr>
-              <a:t>The area highlighted in Green is around 100 min to 250 min, roughly 30% confidence band around 148* mins (average engaging time</a:t>
+              <a:t>The area highlighted in Green is ranging from 100 min to 250 min, roughly 30% confidence band around 148* mins (average engaging time</a:t>
             </a:r>
           </a:p>
           <a:p>
@@ -4515,8 +6963,8 @@
         </p:nvSpPr>
         <p:spPr>
           <a:xfrm>
-            <a:off x="6286500" y="5515690"/>
-            <a:ext cx="5157181" cy="307777"/>
+            <a:off x="6286500" y="5731133"/>
+            <a:ext cx="3258264" cy="307777"/>
           </a:xfrm>
           <a:prstGeom prst="rect">
             <a:avLst/>
@@ -4542,21 +6990,33 @@
                 <a:solidFill>
                   <a:srgbClr val="2EBD59"/>
                 </a:solidFill>
-                <a:hlinkClick r:id="rId3"/>
-              </a:rPr>
-              <a:t>http://www.bbc.com/news/entertainment-arts-25217353</a:t>
-            </a:r>
-            <a:r>
-              <a:rPr lang="en-US" sz="1400" dirty="0" smtClean="0">
+              </a:rPr>
+              <a:t>https://</a:t>
+            </a:r>
+            <a:r>
+              <a:rPr lang="en-US" sz="1400" dirty="0" err="1">
                 <a:solidFill>
                   <a:srgbClr val="2EBD59"/>
                 </a:solidFill>
-                <a:latin typeface="CamingoCode" charset="0"/>
-                <a:ea typeface="CamingoCode" charset="0"/>
-                <a:cs typeface="CamingoCode" charset="0"/>
-              </a:rPr>
-              <a:t> </a:t>
-            </a:r>
+              </a:rPr>
+              <a:t>spotifyforbrands.com</a:t>
+            </a:r>
+            <a:r>
+              <a:rPr lang="en-US" sz="1400" dirty="0">
+                <a:solidFill>
+                  <a:srgbClr val="2EBD59"/>
+                </a:solidFill>
+              </a:rPr>
+              <a:t>/us/</a:t>
+            </a:r>
+            <a:endParaRPr lang="en-US" sz="1400" dirty="0" smtClean="0">
+              <a:solidFill>
+                <a:srgbClr val="2EBD59"/>
+              </a:solidFill>
+              <a:latin typeface="CamingoCode" charset="0"/>
+              <a:ea typeface="CamingoCode" charset="0"/>
+              <a:cs typeface="CamingoCode" charset="0"/>
+            </a:endParaRPr>
           </a:p>
         </p:txBody>
       </p:sp>
@@ -6361,7 +8821,7 @@
           <p:nvPr/>
         </p:nvPicPr>
         <p:blipFill>
-          <a:blip r:embed="rId4">
+          <a:blip r:embed="rId3">
             <a:extLst>
               <a:ext uri="{28A0092B-C50C-407E-A947-70E740481C1C}">
                 <a14:useLocalDpi xmlns:a14="http://schemas.microsoft.com/office/drawing/2010/main" val="0"/>
@@ -6391,7 +8851,7 @@
           <p:nvPr/>
         </p:nvPicPr>
         <p:blipFill>
-          <a:blip r:embed="rId5">
+          <a:blip r:embed="rId4">
             <a:extLst>
               <a:ext uri="{28A0092B-C50C-407E-A947-70E740481C1C}">
                 <a14:useLocalDpi xmlns:a14="http://schemas.microsoft.com/office/drawing/2010/main" val="0"/>
@@ -6416,6 +8876,965 @@
     <p:extLst>
       <p:ext uri="{BB962C8B-B14F-4D97-AF65-F5344CB8AC3E}">
         <p14:creationId xmlns:p14="http://schemas.microsoft.com/office/powerpoint/2010/main" val="828834836"/>
+      </p:ext>
+    </p:extLst>
+  </p:cSld>
+  <p:clrMapOvr>
+    <a:masterClrMapping/>
+  </p:clrMapOvr>
+  <p:timing>
+    <p:tnLst>
+      <p:par>
+        <p:cTn id="1" dur="indefinite" restart="never" nodeType="tmRoot"/>
+      </p:par>
+    </p:tnLst>
+  </p:timing>
+</p:sld>
+</file>
+
+<file path=ppt/slides/slide6.xml><?xml version="1.0" encoding="utf-8"?>
+<p:sld xmlns:a="http://schemas.openxmlformats.org/drawingml/2006/main" xmlns:r="http://schemas.openxmlformats.org/officeDocument/2006/relationships" xmlns:p="http://schemas.openxmlformats.org/presentationml/2006/main">
+  <p:cSld>
+    <p:spTree>
+      <p:nvGrpSpPr>
+        <p:cNvPr id="1" name=""/>
+        <p:cNvGrpSpPr/>
+        <p:nvPr/>
+      </p:nvGrpSpPr>
+      <p:grpSpPr>
+        <a:xfrm>
+          <a:off x="0" y="0"/>
+          <a:ext cx="0" cy="0"/>
+          <a:chOff x="0" y="0"/>
+          <a:chExt cx="0" cy="0"/>
+        </a:xfrm>
+      </p:grpSpPr>
+      <p:pic>
+        <p:nvPicPr>
+          <p:cNvPr id="2" name="Picture 1"/>
+          <p:cNvPicPr>
+            <a:picLocks noChangeAspect="1"/>
+          </p:cNvPicPr>
+          <p:nvPr/>
+        </p:nvPicPr>
+        <p:blipFill>
+          <a:blip r:embed="rId3">
+            <a:extLst>
+              <a:ext uri="{28A0092B-C50C-407E-A947-70E740481C1C}">
+                <a14:useLocalDpi xmlns:a14="http://schemas.microsoft.com/office/drawing/2010/main" val="0"/>
+              </a:ext>
+            </a:extLst>
+          </a:blip>
+          <a:stretch>
+            <a:fillRect/>
+          </a:stretch>
+        </p:blipFill>
+        <p:spPr>
+          <a:xfrm>
+            <a:off x="0" y="317500"/>
+            <a:ext cx="12192000" cy="6203145"/>
+          </a:xfrm>
+          <a:prstGeom prst="rect">
+            <a:avLst/>
+          </a:prstGeom>
+        </p:spPr>
+      </p:pic>
+      <p:sp>
+        <p:nvSpPr>
+          <p:cNvPr id="8" name="TextBox 7"/>
+          <p:cNvSpPr txBox="1"/>
+          <p:nvPr/>
+        </p:nvSpPr>
+        <p:spPr>
+          <a:xfrm>
+            <a:off x="7160028" y="2091641"/>
+            <a:ext cx="4158446" cy="738664"/>
+          </a:xfrm>
+          <a:prstGeom prst="rect">
+            <a:avLst/>
+          </a:prstGeom>
+          <a:noFill/>
+        </p:spPr>
+        <p:txBody>
+          <a:bodyPr wrap="none" rtlCol="0">
+            <a:spAutoFit/>
+          </a:bodyPr>
+          <a:lstStyle/>
+          <a:p>
+            <a:r>
+              <a:rPr lang="en-US" sz="2800" b="1" dirty="0" smtClean="0">
+                <a:latin typeface="Helvetica Neue" charset="0"/>
+                <a:ea typeface="Helvetica Neue" charset="0"/>
+                <a:cs typeface="Helvetica Neue" charset="0"/>
+              </a:rPr>
+              <a:t>If we talk about </a:t>
+            </a:r>
+            <a:r>
+              <a:rPr lang="en-US" sz="2800" b="1" dirty="0" smtClean="0">
+                <a:latin typeface="Helvetica Neue" charset="0"/>
+                <a:ea typeface="Helvetica Neue" charset="0"/>
+                <a:cs typeface="Helvetica Neue" charset="0"/>
+              </a:rPr>
+              <a:t>#Genre</a:t>
+            </a:r>
+            <a:endParaRPr lang="en-US" sz="2800" b="1" dirty="0" smtClean="0">
+              <a:latin typeface="Helvetica Neue" charset="0"/>
+              <a:ea typeface="Helvetica Neue" charset="0"/>
+              <a:cs typeface="Helvetica Neue" charset="0"/>
+            </a:endParaRPr>
+          </a:p>
+          <a:p>
+            <a:r>
+              <a:rPr lang="en-US" sz="1400" dirty="0" smtClean="0">
+                <a:latin typeface="Helvetica Neue" charset="0"/>
+                <a:ea typeface="Helvetica Neue" charset="0"/>
+                <a:cs typeface="Helvetica Neue" charset="0"/>
+              </a:rPr>
+              <a:t>Word cloud generated from top 1000 playlist</a:t>
+            </a:r>
+            <a:endParaRPr lang="en-US" sz="1400" dirty="0" smtClean="0">
+              <a:latin typeface="Helvetica Neue" charset="0"/>
+              <a:ea typeface="Helvetica Neue" charset="0"/>
+              <a:cs typeface="Helvetica Neue" charset="0"/>
+            </a:endParaRPr>
+          </a:p>
+        </p:txBody>
+      </p:sp>
+      <p:sp>
+        <p:nvSpPr>
+          <p:cNvPr id="7" name="TextBox 6"/>
+          <p:cNvSpPr txBox="1"/>
+          <p:nvPr/>
+        </p:nvSpPr>
+        <p:spPr>
+          <a:xfrm>
+            <a:off x="7160028" y="2830305"/>
+            <a:ext cx="4158446" cy="523220"/>
+          </a:xfrm>
+          <a:prstGeom prst="rect">
+            <a:avLst/>
+          </a:prstGeom>
+          <a:solidFill>
+            <a:srgbClr val="EAF5FB"/>
+          </a:solidFill>
+        </p:spPr>
+        <p:txBody>
+          <a:bodyPr wrap="square" rtlCol="0">
+            <a:spAutoFit/>
+          </a:bodyPr>
+          <a:lstStyle/>
+          <a:p>
+            <a:r>
+              <a:rPr lang="en-US" sz="1400" dirty="0" smtClean="0">
+                <a:latin typeface="Helvetica Neue" charset="0"/>
+                <a:ea typeface="Helvetica Neue" charset="0"/>
+                <a:cs typeface="Helvetica Neue" charset="0"/>
+              </a:rPr>
+              <a:t>Pop, Indie rock, Dance &amp; House, and Rap are the top tier guys and the rest</a:t>
+            </a:r>
+            <a:endParaRPr lang="en-US" sz="1400" dirty="0" smtClean="0">
+              <a:latin typeface="Helvetica Neue" charset="0"/>
+              <a:ea typeface="Helvetica Neue" charset="0"/>
+              <a:cs typeface="Helvetica Neue" charset="0"/>
+            </a:endParaRPr>
+          </a:p>
+        </p:txBody>
+      </p:sp>
+    </p:spTree>
+    <p:extLst>
+      <p:ext uri="{BB962C8B-B14F-4D97-AF65-F5344CB8AC3E}">
+        <p14:creationId xmlns:p14="http://schemas.microsoft.com/office/powerpoint/2010/main" val="253755972"/>
+      </p:ext>
+    </p:extLst>
+  </p:cSld>
+  <p:clrMapOvr>
+    <a:masterClrMapping/>
+  </p:clrMapOvr>
+  <p:timing>
+    <p:tnLst>
+      <p:par>
+        <p:cTn id="1" dur="indefinite" restart="never" nodeType="tmRoot"/>
+      </p:par>
+    </p:tnLst>
+  </p:timing>
+</p:sld>
+</file>
+
+<file path=ppt/slides/slide7.xml><?xml version="1.0" encoding="utf-8"?>
+<p:sld xmlns:a="http://schemas.openxmlformats.org/drawingml/2006/main" xmlns:r="http://schemas.openxmlformats.org/officeDocument/2006/relationships" xmlns:p="http://schemas.openxmlformats.org/presentationml/2006/main">
+  <p:cSld>
+    <p:spTree>
+      <p:nvGrpSpPr>
+        <p:cNvPr id="1" name=""/>
+        <p:cNvGrpSpPr/>
+        <p:nvPr/>
+      </p:nvGrpSpPr>
+      <p:grpSpPr>
+        <a:xfrm>
+          <a:off x="0" y="0"/>
+          <a:ext cx="0" cy="0"/>
+          <a:chOff x="0" y="0"/>
+          <a:chExt cx="0" cy="0"/>
+        </a:xfrm>
+      </p:grpSpPr>
+      <p:pic>
+        <p:nvPicPr>
+          <p:cNvPr id="3" name="Picture 2"/>
+          <p:cNvPicPr>
+            <a:picLocks noChangeAspect="1"/>
+          </p:cNvPicPr>
+          <p:nvPr/>
+        </p:nvPicPr>
+        <p:blipFill>
+          <a:blip r:embed="rId3">
+            <a:extLst>
+              <a:ext uri="{28A0092B-C50C-407E-A947-70E740481C1C}">
+                <a14:useLocalDpi xmlns:a14="http://schemas.microsoft.com/office/drawing/2010/main" val="0"/>
+              </a:ext>
+            </a:extLst>
+          </a:blip>
+          <a:stretch>
+            <a:fillRect/>
+          </a:stretch>
+        </p:blipFill>
+        <p:spPr>
+          <a:xfrm>
+            <a:off x="845819" y="0"/>
+            <a:ext cx="5267597" cy="3573081"/>
+          </a:xfrm>
+          <a:prstGeom prst="rect">
+            <a:avLst/>
+          </a:prstGeom>
+        </p:spPr>
+      </p:pic>
+      <p:pic>
+        <p:nvPicPr>
+          <p:cNvPr id="4" name="Picture 3"/>
+          <p:cNvPicPr>
+            <a:picLocks noChangeAspect="1"/>
+          </p:cNvPicPr>
+          <p:nvPr/>
+        </p:nvPicPr>
+        <p:blipFill>
+          <a:blip r:embed="rId4">
+            <a:extLst>
+              <a:ext uri="{28A0092B-C50C-407E-A947-70E740481C1C}">
+                <a14:useLocalDpi xmlns:a14="http://schemas.microsoft.com/office/drawing/2010/main" val="0"/>
+              </a:ext>
+            </a:extLst>
+          </a:blip>
+          <a:stretch>
+            <a:fillRect/>
+          </a:stretch>
+        </p:blipFill>
+        <p:spPr>
+          <a:xfrm>
+            <a:off x="845818" y="3250841"/>
+            <a:ext cx="5267597" cy="3607159"/>
+          </a:xfrm>
+          <a:prstGeom prst="rect">
+            <a:avLst/>
+          </a:prstGeom>
+        </p:spPr>
+      </p:pic>
+      <p:sp>
+        <p:nvSpPr>
+          <p:cNvPr id="9" name="TextBox 8"/>
+          <p:cNvSpPr txBox="1"/>
+          <p:nvPr/>
+        </p:nvSpPr>
+        <p:spPr>
+          <a:xfrm>
+            <a:off x="7160028" y="2091641"/>
+            <a:ext cx="4893776" cy="1384995"/>
+          </a:xfrm>
+          <a:prstGeom prst="rect">
+            <a:avLst/>
+          </a:prstGeom>
+          <a:noFill/>
+        </p:spPr>
+        <p:txBody>
+          <a:bodyPr wrap="none" rtlCol="0">
+            <a:spAutoFit/>
+          </a:bodyPr>
+          <a:lstStyle/>
+          <a:p>
+            <a:r>
+              <a:rPr lang="en-US" sz="2800" b="1" dirty="0" smtClean="0">
+                <a:latin typeface="Helvetica Neue" charset="0"/>
+                <a:ea typeface="Helvetica Neue" charset="0"/>
+                <a:cs typeface="Helvetica Neue" charset="0"/>
+              </a:rPr>
+              <a:t>If we talk about </a:t>
+            </a:r>
+            <a:r>
+              <a:rPr lang="en-US" sz="2800" b="1" dirty="0" smtClean="0">
+                <a:latin typeface="Helvetica Neue" charset="0"/>
+                <a:ea typeface="Helvetica Neue" charset="0"/>
+                <a:cs typeface="Helvetica Neue" charset="0"/>
+              </a:rPr>
+              <a:t>#Genre</a:t>
+            </a:r>
+            <a:endParaRPr lang="en-US" sz="2800" b="1" dirty="0" smtClean="0">
+              <a:latin typeface="Helvetica Neue" charset="0"/>
+              <a:ea typeface="Helvetica Neue" charset="0"/>
+              <a:cs typeface="Helvetica Neue" charset="0"/>
+            </a:endParaRPr>
+          </a:p>
+          <a:p>
+            <a:r>
+              <a:rPr lang="en-US" sz="1400" dirty="0" smtClean="0">
+                <a:latin typeface="Helvetica Neue" charset="0"/>
+                <a:ea typeface="Helvetica Neue" charset="0"/>
+                <a:cs typeface="Helvetica Neue" charset="0"/>
+              </a:rPr>
+              <a:t>Parallel coordinates generated from top 1000 playlist</a:t>
+            </a:r>
+          </a:p>
+          <a:p>
+            <a:r>
+              <a:rPr lang="en-US" sz="1400" dirty="0" smtClean="0">
+                <a:latin typeface="Helvetica Neue" charset="0"/>
+                <a:ea typeface="Helvetica Neue" charset="0"/>
+                <a:cs typeface="Helvetica Neue" charset="0"/>
+              </a:rPr>
+              <a:t>Which verifies the result from word cloud: </a:t>
+            </a:r>
+          </a:p>
+          <a:p>
+            <a:endParaRPr lang="en-US" sz="1400" dirty="0">
+              <a:latin typeface="Helvetica Neue" charset="0"/>
+              <a:ea typeface="Helvetica Neue" charset="0"/>
+              <a:cs typeface="Helvetica Neue" charset="0"/>
+            </a:endParaRPr>
+          </a:p>
+          <a:p>
+            <a:r>
+              <a:rPr lang="en-US" sz="1400" dirty="0" smtClean="0">
+                <a:latin typeface="Helvetica Neue" charset="0"/>
+                <a:ea typeface="Helvetica Neue" charset="0"/>
+                <a:cs typeface="Helvetica Neue" charset="0"/>
+              </a:rPr>
+              <a:t>“More Active user, more valid stream, more engaging time”</a:t>
+            </a:r>
+            <a:endParaRPr lang="en-US" sz="1400" dirty="0" smtClean="0">
+              <a:latin typeface="Helvetica Neue" charset="0"/>
+              <a:ea typeface="Helvetica Neue" charset="0"/>
+              <a:cs typeface="Helvetica Neue" charset="0"/>
+            </a:endParaRPr>
+          </a:p>
+        </p:txBody>
+      </p:sp>
+      <p:sp>
+        <p:nvSpPr>
+          <p:cNvPr id="10" name="TextBox 9"/>
+          <p:cNvSpPr txBox="1"/>
+          <p:nvPr/>
+        </p:nvSpPr>
+        <p:spPr>
+          <a:xfrm>
+            <a:off x="7160028" y="3573081"/>
+            <a:ext cx="4158446" cy="1169551"/>
+          </a:xfrm>
+          <a:prstGeom prst="rect">
+            <a:avLst/>
+          </a:prstGeom>
+          <a:solidFill>
+            <a:srgbClr val="EAF5FB"/>
+          </a:solidFill>
+        </p:spPr>
+        <p:txBody>
+          <a:bodyPr wrap="square" rtlCol="0">
+            <a:spAutoFit/>
+          </a:bodyPr>
+          <a:lstStyle/>
+          <a:p>
+            <a:r>
+              <a:rPr lang="en-US" sz="1400" dirty="0" smtClean="0">
+                <a:latin typeface="Helvetica Neue" charset="0"/>
+                <a:ea typeface="Helvetica Neue" charset="0"/>
+                <a:cs typeface="Helvetica Neue" charset="0"/>
+              </a:rPr>
+              <a:t>DAU is a “good </a:t>
+            </a:r>
+            <a:r>
+              <a:rPr lang="en-US" sz="1400" dirty="0" err="1" smtClean="0">
+                <a:latin typeface="Helvetica Neue" charset="0"/>
+                <a:ea typeface="Helvetica Neue" charset="0"/>
+                <a:cs typeface="Helvetica Neue" charset="0"/>
+              </a:rPr>
+              <a:t>splitor</a:t>
+            </a:r>
+            <a:r>
+              <a:rPr lang="en-US" sz="1400" dirty="0" smtClean="0">
+                <a:latin typeface="Helvetica Neue" charset="0"/>
+                <a:ea typeface="Helvetica Neue" charset="0"/>
+                <a:cs typeface="Helvetica Neue" charset="0"/>
+              </a:rPr>
+              <a:t>” which indictors “Potential Two Clusters” in terms of common “metrics”:</a:t>
+            </a:r>
+          </a:p>
+          <a:p>
+            <a:endParaRPr lang="en-US" sz="1400" dirty="0">
+              <a:latin typeface="Helvetica Neue" charset="0"/>
+              <a:ea typeface="Helvetica Neue" charset="0"/>
+              <a:cs typeface="Helvetica Neue" charset="0"/>
+            </a:endParaRPr>
+          </a:p>
+          <a:p>
+            <a:pPr marL="285750" indent="-285750">
+              <a:buFontTx/>
+              <a:buChar char="-"/>
+            </a:pPr>
+            <a:r>
+              <a:rPr lang="en-US" sz="1400" dirty="0" smtClean="0">
+                <a:latin typeface="Helvetica Neue" charset="0"/>
+                <a:ea typeface="Helvetica Neue" charset="0"/>
+                <a:cs typeface="Helvetica Neue" charset="0"/>
+              </a:rPr>
+              <a:t>{Pop, Indie Rock, Dance &amp; House, Rap}</a:t>
+            </a:r>
+          </a:p>
+          <a:p>
+            <a:pPr marL="285750" indent="-285750">
+              <a:buFontTx/>
+              <a:buChar char="-"/>
+            </a:pPr>
+            <a:r>
+              <a:rPr lang="en-US" sz="1400" dirty="0" smtClean="0">
+                <a:latin typeface="Helvetica Neue" charset="0"/>
+                <a:ea typeface="Helvetica Neue" charset="0"/>
+                <a:cs typeface="Helvetica Neue" charset="0"/>
+              </a:rPr>
+              <a:t>Vs. {The rest}</a:t>
+            </a:r>
+          </a:p>
+        </p:txBody>
+      </p:sp>
+    </p:spTree>
+    <p:extLst>
+      <p:ext uri="{BB962C8B-B14F-4D97-AF65-F5344CB8AC3E}">
+        <p14:creationId xmlns:p14="http://schemas.microsoft.com/office/powerpoint/2010/main" val="746676913"/>
+      </p:ext>
+    </p:extLst>
+  </p:cSld>
+  <p:clrMapOvr>
+    <a:masterClrMapping/>
+  </p:clrMapOvr>
+  <p:timing>
+    <p:tnLst>
+      <p:par>
+        <p:cTn id="1" dur="indefinite" restart="never" nodeType="tmRoot"/>
+      </p:par>
+    </p:tnLst>
+  </p:timing>
+</p:sld>
+</file>
+
+<file path=ppt/slides/slide8.xml><?xml version="1.0" encoding="utf-8"?>
+<p:sld xmlns:a="http://schemas.openxmlformats.org/drawingml/2006/main" xmlns:r="http://schemas.openxmlformats.org/officeDocument/2006/relationships" xmlns:p="http://schemas.openxmlformats.org/presentationml/2006/main">
+  <p:cSld>
+    <p:spTree>
+      <p:nvGrpSpPr>
+        <p:cNvPr id="1" name=""/>
+        <p:cNvGrpSpPr/>
+        <p:nvPr/>
+      </p:nvGrpSpPr>
+      <p:grpSpPr>
+        <a:xfrm>
+          <a:off x="0" y="0"/>
+          <a:ext cx="0" cy="0"/>
+          <a:chOff x="0" y="0"/>
+          <a:chExt cx="0" cy="0"/>
+        </a:xfrm>
+      </p:grpSpPr>
+      <p:pic>
+        <p:nvPicPr>
+          <p:cNvPr id="3" name="Picture 2"/>
+          <p:cNvPicPr>
+            <a:picLocks noChangeAspect="1"/>
+          </p:cNvPicPr>
+          <p:nvPr/>
+        </p:nvPicPr>
+        <p:blipFill>
+          <a:blip r:embed="rId3">
+            <a:extLst>
+              <a:ext uri="{28A0092B-C50C-407E-A947-70E740481C1C}">
+                <a14:useLocalDpi xmlns:a14="http://schemas.microsoft.com/office/drawing/2010/main" val="0"/>
+              </a:ext>
+            </a:extLst>
+          </a:blip>
+          <a:stretch>
+            <a:fillRect/>
+          </a:stretch>
+        </p:blipFill>
+        <p:spPr>
+          <a:xfrm>
+            <a:off x="0" y="25400"/>
+            <a:ext cx="12192000" cy="6788469"/>
+          </a:xfrm>
+          <a:prstGeom prst="rect">
+            <a:avLst/>
+          </a:prstGeom>
+        </p:spPr>
+      </p:pic>
+      <p:sp>
+        <p:nvSpPr>
+          <p:cNvPr id="8" name="TextBox 7"/>
+          <p:cNvSpPr txBox="1"/>
+          <p:nvPr/>
+        </p:nvSpPr>
+        <p:spPr>
+          <a:xfrm>
+            <a:off x="7909536" y="3419634"/>
+            <a:ext cx="4110421" cy="738664"/>
+          </a:xfrm>
+          <a:prstGeom prst="rect">
+            <a:avLst/>
+          </a:prstGeom>
+          <a:noFill/>
+        </p:spPr>
+        <p:txBody>
+          <a:bodyPr wrap="none" rtlCol="0">
+            <a:spAutoFit/>
+          </a:bodyPr>
+          <a:lstStyle/>
+          <a:p>
+            <a:r>
+              <a:rPr lang="en-US" sz="2800" b="1" dirty="0" smtClean="0">
+                <a:latin typeface="Helvetica Neue" charset="0"/>
+                <a:ea typeface="Helvetica Neue" charset="0"/>
+                <a:cs typeface="Helvetica Neue" charset="0"/>
+              </a:rPr>
+              <a:t>If we talk </a:t>
+            </a:r>
+            <a:r>
+              <a:rPr lang="en-US" sz="2800" b="1" smtClean="0">
+                <a:latin typeface="Helvetica Neue" charset="0"/>
+                <a:ea typeface="Helvetica Neue" charset="0"/>
+                <a:cs typeface="Helvetica Neue" charset="0"/>
+              </a:rPr>
+              <a:t>about </a:t>
+            </a:r>
+            <a:r>
+              <a:rPr lang="en-US" sz="2800" b="1" smtClean="0">
+                <a:latin typeface="Helvetica Neue" charset="0"/>
+                <a:ea typeface="Helvetica Neue" charset="0"/>
+                <a:cs typeface="Helvetica Neue" charset="0"/>
+              </a:rPr>
+              <a:t>#Mood</a:t>
+            </a:r>
+            <a:endParaRPr lang="en-US" sz="2800" b="1" dirty="0" smtClean="0">
+              <a:latin typeface="Helvetica Neue" charset="0"/>
+              <a:ea typeface="Helvetica Neue" charset="0"/>
+              <a:cs typeface="Helvetica Neue" charset="0"/>
+            </a:endParaRPr>
+          </a:p>
+          <a:p>
+            <a:r>
+              <a:rPr lang="en-US" sz="1400" dirty="0" smtClean="0">
+                <a:latin typeface="Helvetica Neue" charset="0"/>
+                <a:ea typeface="Helvetica Neue" charset="0"/>
+                <a:cs typeface="Helvetica Neue" charset="0"/>
+              </a:rPr>
+              <a:t>Word cloud generated from top 1000 playlist</a:t>
+            </a:r>
+            <a:endParaRPr lang="en-US" sz="1400" dirty="0" smtClean="0">
+              <a:latin typeface="Helvetica Neue" charset="0"/>
+              <a:ea typeface="Helvetica Neue" charset="0"/>
+              <a:cs typeface="Helvetica Neue" charset="0"/>
+            </a:endParaRPr>
+          </a:p>
+        </p:txBody>
+      </p:sp>
+      <p:sp>
+        <p:nvSpPr>
+          <p:cNvPr id="7" name="TextBox 6"/>
+          <p:cNvSpPr txBox="1"/>
+          <p:nvPr/>
+        </p:nvSpPr>
+        <p:spPr>
+          <a:xfrm>
+            <a:off x="7947533" y="4158298"/>
+            <a:ext cx="4158446" cy="1169551"/>
+          </a:xfrm>
+          <a:prstGeom prst="rect">
+            <a:avLst/>
+          </a:prstGeom>
+          <a:solidFill>
+            <a:srgbClr val="EAF5FB"/>
+          </a:solidFill>
+        </p:spPr>
+        <p:txBody>
+          <a:bodyPr wrap="square" rtlCol="0">
+            <a:spAutoFit/>
+          </a:bodyPr>
+          <a:lstStyle/>
+          <a:p>
+            <a:r>
+              <a:rPr lang="en-US" sz="1400" dirty="0" smtClean="0">
+                <a:latin typeface="Helvetica Neue" charset="0"/>
+                <a:ea typeface="Helvetica Neue" charset="0"/>
+                <a:cs typeface="Helvetica Neue" charset="0"/>
+              </a:rPr>
+              <a:t>Top moods:</a:t>
+            </a:r>
+            <a:endParaRPr lang="en-US" sz="1400" dirty="0">
+              <a:latin typeface="Helvetica Neue" charset="0"/>
+              <a:ea typeface="Helvetica Neue" charset="0"/>
+              <a:cs typeface="Helvetica Neue" charset="0"/>
+            </a:endParaRPr>
+          </a:p>
+          <a:p>
+            <a:pPr marL="285750" indent="-285750">
+              <a:buFontTx/>
+              <a:buChar char="-"/>
+            </a:pPr>
+            <a:r>
+              <a:rPr lang="en-US" sz="1400" dirty="0" smtClean="0">
+                <a:latin typeface="Helvetica Neue" charset="0"/>
+                <a:ea typeface="Helvetica Neue" charset="0"/>
+                <a:cs typeface="Helvetica Neue" charset="0"/>
+              </a:rPr>
+              <a:t>Excited</a:t>
+            </a:r>
+          </a:p>
+          <a:p>
+            <a:pPr marL="285750" indent="-285750">
+              <a:buFontTx/>
+              <a:buChar char="-"/>
+            </a:pPr>
+            <a:r>
+              <a:rPr lang="en-US" sz="1400" dirty="0" smtClean="0">
+                <a:latin typeface="Helvetica Neue" charset="0"/>
+                <a:ea typeface="Helvetica Neue" charset="0"/>
+                <a:cs typeface="Helvetica Neue" charset="0"/>
+              </a:rPr>
+              <a:t>defiant</a:t>
+            </a:r>
+          </a:p>
+          <a:p>
+            <a:pPr marL="285750" indent="-285750">
+              <a:buFontTx/>
+              <a:buChar char="-"/>
+            </a:pPr>
+            <a:r>
+              <a:rPr lang="en-US" sz="1400" dirty="0">
+                <a:latin typeface="Helvetica Neue" charset="0"/>
+                <a:ea typeface="Helvetica Neue" charset="0"/>
+                <a:cs typeface="Helvetica Neue" charset="0"/>
+              </a:rPr>
+              <a:t>y</a:t>
+            </a:r>
+            <a:r>
+              <a:rPr lang="en-US" sz="1400" dirty="0" smtClean="0">
+                <a:latin typeface="Helvetica Neue" charset="0"/>
+                <a:ea typeface="Helvetica Neue" charset="0"/>
+                <a:cs typeface="Helvetica Neue" charset="0"/>
+              </a:rPr>
+              <a:t>earning</a:t>
+            </a:r>
+          </a:p>
+          <a:p>
+            <a:pPr marL="285750" indent="-285750">
+              <a:buFontTx/>
+              <a:buChar char="-"/>
+            </a:pPr>
+            <a:r>
+              <a:rPr lang="en-US" sz="1400" dirty="0">
+                <a:latin typeface="Helvetica Neue" charset="0"/>
+                <a:ea typeface="Helvetica Neue" charset="0"/>
+                <a:cs typeface="Helvetica Neue" charset="0"/>
+              </a:rPr>
+              <a:t>m</a:t>
+            </a:r>
+            <a:r>
+              <a:rPr lang="en-US" sz="1400" dirty="0" smtClean="0">
+                <a:latin typeface="Helvetica Neue" charset="0"/>
+                <a:ea typeface="Helvetica Neue" charset="0"/>
+                <a:cs typeface="Helvetica Neue" charset="0"/>
+              </a:rPr>
+              <a:t>elancholy</a:t>
+            </a:r>
+          </a:p>
+        </p:txBody>
+      </p:sp>
+    </p:spTree>
+    <p:extLst>
+      <p:ext uri="{BB962C8B-B14F-4D97-AF65-F5344CB8AC3E}">
+        <p14:creationId xmlns:p14="http://schemas.microsoft.com/office/powerpoint/2010/main" val="291834901"/>
+      </p:ext>
+    </p:extLst>
+  </p:cSld>
+  <p:clrMapOvr>
+    <a:masterClrMapping/>
+  </p:clrMapOvr>
+  <p:timing>
+    <p:tnLst>
+      <p:par>
+        <p:cTn id="1" dur="indefinite" restart="never" nodeType="tmRoot"/>
+      </p:par>
+    </p:tnLst>
+  </p:timing>
+</p:sld>
+</file>
+
+<file path=ppt/slides/slide9.xml><?xml version="1.0" encoding="utf-8"?>
+<p:sld xmlns:a="http://schemas.openxmlformats.org/drawingml/2006/main" xmlns:r="http://schemas.openxmlformats.org/officeDocument/2006/relationships" xmlns:p="http://schemas.openxmlformats.org/presentationml/2006/main">
+  <p:cSld>
+    <p:spTree>
+      <p:nvGrpSpPr>
+        <p:cNvPr id="1" name=""/>
+        <p:cNvGrpSpPr/>
+        <p:nvPr/>
+      </p:nvGrpSpPr>
+      <p:grpSpPr>
+        <a:xfrm>
+          <a:off x="0" y="0"/>
+          <a:ext cx="0" cy="0"/>
+          <a:chOff x="0" y="0"/>
+          <a:chExt cx="0" cy="0"/>
+        </a:xfrm>
+      </p:grpSpPr>
+      <p:pic>
+        <p:nvPicPr>
+          <p:cNvPr id="9" name="Picture 8"/>
+          <p:cNvPicPr>
+            <a:picLocks noChangeAspect="1"/>
+          </p:cNvPicPr>
+          <p:nvPr/>
+        </p:nvPicPr>
+        <p:blipFill>
+          <a:blip r:embed="rId3">
+            <a:extLst>
+              <a:ext uri="{28A0092B-C50C-407E-A947-70E740481C1C}">
+                <a14:useLocalDpi xmlns:a14="http://schemas.microsoft.com/office/drawing/2010/main" val="0"/>
+              </a:ext>
+            </a:extLst>
+          </a:blip>
+          <a:stretch>
+            <a:fillRect/>
+          </a:stretch>
+        </p:blipFill>
+        <p:spPr>
+          <a:xfrm>
+            <a:off x="4549095" y="0"/>
+            <a:ext cx="4619262" cy="6858000"/>
+          </a:xfrm>
+          <a:prstGeom prst="rect">
+            <a:avLst/>
+          </a:prstGeom>
+        </p:spPr>
+      </p:pic>
+      <p:sp>
+        <p:nvSpPr>
+          <p:cNvPr id="8" name="TextBox 7"/>
+          <p:cNvSpPr txBox="1"/>
+          <p:nvPr/>
+        </p:nvSpPr>
+        <p:spPr>
+          <a:xfrm>
+            <a:off x="9137098" y="707610"/>
+            <a:ext cx="2828232" cy="1815882"/>
+          </a:xfrm>
+          <a:prstGeom prst="rect">
+            <a:avLst/>
+          </a:prstGeom>
+          <a:noFill/>
+        </p:spPr>
+        <p:txBody>
+          <a:bodyPr wrap="square" rtlCol="0">
+            <a:spAutoFit/>
+          </a:bodyPr>
+          <a:lstStyle/>
+          <a:p>
+            <a:r>
+              <a:rPr lang="en-US" sz="2800" b="1" dirty="0" smtClean="0">
+                <a:latin typeface="Helvetica Neue" charset="0"/>
+                <a:ea typeface="Helvetica Neue" charset="0"/>
+                <a:cs typeface="Helvetica Neue" charset="0"/>
+              </a:rPr>
+              <a:t>If we talk about </a:t>
+            </a:r>
+            <a:endParaRPr lang="en-US" sz="2800" b="1" dirty="0">
+              <a:latin typeface="Helvetica Neue" charset="0"/>
+              <a:ea typeface="Helvetica Neue" charset="0"/>
+              <a:cs typeface="Helvetica Neue" charset="0"/>
+            </a:endParaRPr>
+          </a:p>
+          <a:p>
+            <a:r>
+              <a:rPr lang="en-US" sz="2800" b="1" dirty="0" smtClean="0">
+                <a:latin typeface="Helvetica Neue" charset="0"/>
+                <a:ea typeface="Helvetica Neue" charset="0"/>
+                <a:cs typeface="Helvetica Neue" charset="0"/>
+              </a:rPr>
+              <a:t>#Tracks/Artists</a:t>
+            </a:r>
+            <a:endParaRPr lang="en-US" sz="2800" b="1" dirty="0" smtClean="0">
+              <a:latin typeface="Helvetica Neue" charset="0"/>
+              <a:ea typeface="Helvetica Neue" charset="0"/>
+              <a:cs typeface="Helvetica Neue" charset="0"/>
+            </a:endParaRPr>
+          </a:p>
+          <a:p>
+            <a:r>
+              <a:rPr lang="en-US" sz="1400" dirty="0" smtClean="0">
+                <a:latin typeface="Helvetica Neue" charset="0"/>
+                <a:ea typeface="Helvetica Neue" charset="0"/>
+                <a:cs typeface="Helvetica Neue" charset="0"/>
+              </a:rPr>
+              <a:t>Boxplot generate from top 1000 playlist</a:t>
+            </a:r>
+          </a:p>
+          <a:p>
+            <a:r>
+              <a:rPr lang="en-US" sz="1400" dirty="0" smtClean="0">
+                <a:latin typeface="Helvetica Neue" charset="0"/>
+                <a:ea typeface="Helvetica Neue" charset="0"/>
+                <a:cs typeface="Helvetica Neue" charset="0"/>
+              </a:rPr>
+              <a:t>with extreme/anomalies data taken out</a:t>
+            </a:r>
+            <a:endParaRPr lang="en-US" sz="1400" dirty="0" smtClean="0">
+              <a:latin typeface="Helvetica Neue" charset="0"/>
+              <a:ea typeface="Helvetica Neue" charset="0"/>
+              <a:cs typeface="Helvetica Neue" charset="0"/>
+            </a:endParaRPr>
+          </a:p>
+        </p:txBody>
+      </p:sp>
+      <p:sp>
+        <p:nvSpPr>
+          <p:cNvPr id="7" name="TextBox 6"/>
+          <p:cNvSpPr txBox="1"/>
+          <p:nvPr/>
+        </p:nvSpPr>
+        <p:spPr>
+          <a:xfrm>
+            <a:off x="9137097" y="2638269"/>
+            <a:ext cx="2828233" cy="2653259"/>
+          </a:xfrm>
+          <a:prstGeom prst="rect">
+            <a:avLst/>
+          </a:prstGeom>
+          <a:solidFill>
+            <a:srgbClr val="EAF5FB"/>
+          </a:solidFill>
+        </p:spPr>
+        <p:txBody>
+          <a:bodyPr wrap="square" rtlCol="0">
+            <a:spAutoFit/>
+          </a:bodyPr>
+          <a:lstStyle/>
+          <a:p>
+            <a:r>
+              <a:rPr lang="en-US" sz="1400" dirty="0" smtClean="0">
+                <a:latin typeface="Helvetica Neue" charset="0"/>
+                <a:ea typeface="Helvetica Neue" charset="0"/>
+                <a:cs typeface="Helvetica Neue" charset="0"/>
+              </a:rPr>
+              <a:t>We can generalize what a playlist looks like</a:t>
+            </a:r>
+          </a:p>
+          <a:p>
+            <a:r>
+              <a:rPr lang="en-US" sz="1400" dirty="0" smtClean="0">
+                <a:latin typeface="Helvetica Neue" charset="0"/>
+                <a:ea typeface="Helvetica Neue" charset="0"/>
+                <a:cs typeface="Helvetica Neue" charset="0"/>
+              </a:rPr>
+              <a:t>from this perspective, some highlights:</a:t>
+            </a:r>
+          </a:p>
+          <a:p>
+            <a:r>
+              <a:rPr lang="en-US" sz="1400" b="1" dirty="0"/>
+              <a:t>pop</a:t>
+            </a:r>
+            <a:r>
+              <a:rPr lang="en-US" sz="1400" dirty="0"/>
+              <a:t>: 81 tracks - 60 artist similar number of album</a:t>
+            </a:r>
+          </a:p>
+          <a:p>
+            <a:r>
+              <a:rPr lang="en-US" sz="1400" b="1" dirty="0"/>
+              <a:t>indie rock:</a:t>
+            </a:r>
+            <a:r>
+              <a:rPr lang="en-US" sz="1400" dirty="0"/>
+              <a:t> 78 tracks - 58 artist similar number of album</a:t>
+            </a:r>
+          </a:p>
+          <a:p>
+            <a:r>
+              <a:rPr lang="en-US" sz="1400" b="1" dirty="0"/>
+              <a:t>dance &amp; house:</a:t>
+            </a:r>
+            <a:r>
+              <a:rPr lang="en-US" sz="1400" dirty="0"/>
+              <a:t> 83 tracks - 65 artist similar number of album</a:t>
+            </a:r>
+          </a:p>
+          <a:p>
+            <a:r>
+              <a:rPr lang="en-US" sz="1400" b="1" dirty="0"/>
+              <a:t>rap:</a:t>
+            </a:r>
+            <a:r>
+              <a:rPr lang="en-US" sz="1400" dirty="0"/>
+              <a:t> 95 tracks - 75 artist similar number of </a:t>
+            </a:r>
+            <a:r>
+              <a:rPr lang="en-US" sz="1400" dirty="0" smtClean="0"/>
+              <a:t>album</a:t>
+            </a:r>
+            <a:r>
+              <a:rPr lang="en-US" sz="1400" dirty="0" smtClean="0">
+                <a:latin typeface="Helvetica Neue" charset="0"/>
+                <a:ea typeface="Helvetica Neue" charset="0"/>
+                <a:cs typeface="Helvetica Neue" charset="0"/>
+              </a:rPr>
+              <a:t> </a:t>
+            </a:r>
+          </a:p>
+        </p:txBody>
+      </p:sp>
+      <p:pic>
+        <p:nvPicPr>
+          <p:cNvPr id="6" name="Picture 5"/>
+          <p:cNvPicPr>
+            <a:picLocks noChangeAspect="1"/>
+          </p:cNvPicPr>
+          <p:nvPr/>
+        </p:nvPicPr>
+        <p:blipFill>
+          <a:blip r:embed="rId4">
+            <a:extLst>
+              <a:ext uri="{28A0092B-C50C-407E-A947-70E740481C1C}">
+                <a14:useLocalDpi xmlns:a14="http://schemas.microsoft.com/office/drawing/2010/main" val="0"/>
+              </a:ext>
+            </a:extLst>
+          </a:blip>
+          <a:stretch>
+            <a:fillRect/>
+          </a:stretch>
+        </p:blipFill>
+        <p:spPr>
+          <a:xfrm>
+            <a:off x="0" y="-9366"/>
+            <a:ext cx="4619262" cy="6858000"/>
+          </a:xfrm>
+          <a:prstGeom prst="rect">
+            <a:avLst/>
+          </a:prstGeom>
+        </p:spPr>
+      </p:pic>
+    </p:spTree>
+    <p:extLst>
+      <p:ext uri="{BB962C8B-B14F-4D97-AF65-F5344CB8AC3E}">
+        <p14:creationId xmlns:p14="http://schemas.microsoft.com/office/powerpoint/2010/main" val="339588885"/>
       </p:ext>
     </p:extLst>
   </p:cSld>
